--- a/Диплом/Диплом.pptx
+++ b/Диплом/Диплом.pptx
@@ -208,7 +208,8 @@
           <a:p>
             <a:fld id="{7F5DB248-0738-47B3-B3D7-CE1BD2A234DB}" type="datetimeFigureOut">
               <a:rPr lang="ru-RU" smtClean="0"/>
-              <a:t>15.03.2019</a:t>
+              <a:pPr/>
+              <a:t>29.04.2019</a:t>
             </a:fld>
             <a:endParaRPr lang="ru-RU"/>
           </a:p>
@@ -274,6 +275,7 @@
           <a:p>
             <a:fld id="{D897DBF5-BC8C-4CAD-BC47-413D1F43848E}" type="slidenum">
               <a:rPr lang="ru-RU" smtClean="0"/>
+              <a:pPr/>
               <a:t>‹#›</a:t>
             </a:fld>
             <a:endParaRPr lang="ru-RU"/>
@@ -369,7 +371,8 @@
           <a:p>
             <a:fld id="{4704B008-0BAD-4C27-A472-434BBB474E53}" type="datetimeFigureOut">
               <a:rPr lang="ru-RU" smtClean="0"/>
-              <a:t>15.03.2019</a:t>
+              <a:pPr/>
+              <a:t>29.04.2019</a:t>
             </a:fld>
             <a:endParaRPr lang="ru-RU"/>
           </a:p>
@@ -530,6 +533,7 @@
           <a:p>
             <a:fld id="{BC8DA0E7-F408-4897-A771-B73B33CD2EED}" type="slidenum">
               <a:rPr lang="ru-RU" smtClean="0"/>
+              <a:pPr/>
               <a:t>‹#›</a:t>
             </a:fld>
             <a:endParaRPr lang="ru-RU"/>
@@ -932,7 +936,8 @@
           <a:p>
             <a:fld id="{0640748F-13E5-44EB-9536-2BAC0E914A0D}" type="datetime1">
               <a:rPr lang="ru-RU" smtClean="0"/>
-              <a:t>15.03.2019</a:t>
+              <a:pPr/>
+              <a:t>29.04.2019</a:t>
             </a:fld>
             <a:endParaRPr lang="ru-RU"/>
           </a:p>
@@ -1098,7 +1103,8 @@
           <a:p>
             <a:fld id="{37D6160F-F140-494A-94D8-8CA4AD11286E}" type="datetime1">
               <a:rPr lang="ru-RU" smtClean="0"/>
-              <a:t>15.03.2019</a:t>
+              <a:pPr/>
+              <a:t>29.04.2019</a:t>
             </a:fld>
             <a:endParaRPr lang="ru-RU"/>
           </a:p>
@@ -1274,7 +1280,8 @@
           <a:p>
             <a:fld id="{F13392E5-F855-405F-9026-0C1540D64142}" type="datetime1">
               <a:rPr lang="ru-RU" smtClean="0"/>
-              <a:t>15.03.2019</a:t>
+              <a:pPr/>
+              <a:t>29.04.2019</a:t>
             </a:fld>
             <a:endParaRPr lang="ru-RU"/>
           </a:p>
@@ -1440,7 +1447,8 @@
           <a:p>
             <a:fld id="{4CEC4B27-0617-4024-BC56-399C134214F0}" type="datetime1">
               <a:rPr lang="ru-RU" smtClean="0"/>
-              <a:t>15.03.2019</a:t>
+              <a:pPr/>
+              <a:t>29.04.2019</a:t>
             </a:fld>
             <a:endParaRPr lang="ru-RU"/>
           </a:p>
@@ -1682,7 +1690,8 @@
           <a:p>
             <a:fld id="{70D379A6-28B4-4F9B-B4E5-7213B4555F4B}" type="datetime1">
               <a:rPr lang="ru-RU" smtClean="0"/>
-              <a:t>15.03.2019</a:t>
+              <a:pPr/>
+              <a:t>29.04.2019</a:t>
             </a:fld>
             <a:endParaRPr lang="ru-RU"/>
           </a:p>
@@ -1966,7 +1975,8 @@
           <a:p>
             <a:fld id="{7BFDEC38-6AAC-4423-B97F-767286212B2A}" type="datetime1">
               <a:rPr lang="ru-RU" smtClean="0"/>
-              <a:t>15.03.2019</a:t>
+              <a:pPr/>
+              <a:t>29.04.2019</a:t>
             </a:fld>
             <a:endParaRPr lang="ru-RU"/>
           </a:p>
@@ -2384,7 +2394,8 @@
           <a:p>
             <a:fld id="{064C8041-C315-4478-9CD0-B16B993633E7}" type="datetime1">
               <a:rPr lang="ru-RU" smtClean="0"/>
-              <a:t>15.03.2019</a:t>
+              <a:pPr/>
+              <a:t>29.04.2019</a:t>
             </a:fld>
             <a:endParaRPr lang="ru-RU"/>
           </a:p>
@@ -2498,7 +2509,8 @@
           <a:p>
             <a:fld id="{6396F0AF-C635-4D7C-9C71-C25DE2202A8F}" type="datetime1">
               <a:rPr lang="ru-RU" smtClean="0"/>
-              <a:t>15.03.2019</a:t>
+              <a:pPr/>
+              <a:t>29.04.2019</a:t>
             </a:fld>
             <a:endParaRPr lang="ru-RU"/>
           </a:p>
@@ -2589,7 +2601,8 @@
           <a:p>
             <a:fld id="{AF5A6D49-2016-43AB-B2A7-CBB30EA78D55}" type="datetime1">
               <a:rPr lang="ru-RU" smtClean="0"/>
-              <a:t>15.03.2019</a:t>
+              <a:pPr/>
+              <a:t>29.04.2019</a:t>
             </a:fld>
             <a:endParaRPr lang="ru-RU"/>
           </a:p>
@@ -2862,7 +2875,8 @@
           <a:p>
             <a:fld id="{BA710D15-77C1-48E9-9C0B-149B2D0C9FEE}" type="datetime1">
               <a:rPr lang="ru-RU" smtClean="0"/>
-              <a:t>15.03.2019</a:t>
+              <a:pPr/>
+              <a:t>29.04.2019</a:t>
             </a:fld>
             <a:endParaRPr lang="ru-RU"/>
           </a:p>
@@ -3111,7 +3125,8 @@
           <a:p>
             <a:fld id="{AB8A58D6-DA83-4E50-BB34-56F9D4CDF762}" type="datetime1">
               <a:rPr lang="ru-RU" smtClean="0"/>
-              <a:t>15.03.2019</a:t>
+              <a:pPr/>
+              <a:t>29.04.2019</a:t>
             </a:fld>
             <a:endParaRPr lang="ru-RU"/>
           </a:p>
@@ -3320,7 +3335,8 @@
           <a:p>
             <a:fld id="{1BBB92CA-7D40-4DCF-8CC7-5082001E660C}" type="datetime1">
               <a:rPr lang="ru-RU" smtClean="0"/>
-              <a:t>15.03.2019</a:t>
+              <a:pPr/>
+              <a:t>29.04.2019</a:t>
             </a:fld>
             <a:endParaRPr lang="ru-RU"/>
           </a:p>
@@ -3864,24 +3880,7 @@
                 <a:latin typeface="Arial" pitchFamily="34" charset="0"/>
                 <a:cs typeface="Arial" pitchFamily="34" charset="0"/>
               </a:rPr>
-              <a:t>Выполнил</a:t>
-            </a:r>
-            <a:r>
-              <a:rPr lang="ru-RU" dirty="0" smtClean="0">
-                <a:solidFill>
-                  <a:schemeClr val="bg1"/>
-                </a:solidFill>
-                <a:effectLst>
-                  <a:outerShdw blurRad="38100" dist="38100" dir="2700000" algn="tl">
-                    <a:srgbClr val="000000">
-                      <a:alpha val="43137"/>
-                    </a:srgbClr>
-                  </a:outerShdw>
-                </a:effectLst>
-                <a:latin typeface="Arial" pitchFamily="34" charset="0"/>
-                <a:cs typeface="Arial" pitchFamily="34" charset="0"/>
-              </a:rPr>
-              <a:t>:</a:t>
+              <a:t>Выполнил:</a:t>
             </a:r>
             <a:endParaRPr lang="en-US" dirty="0" smtClean="0">
               <a:solidFill>
@@ -3972,20 +3971,6 @@
               </a:rPr>
               <a:t> 159-2</a:t>
             </a:r>
-            <a:endParaRPr lang="ru-RU" dirty="0" smtClean="0">
-              <a:solidFill>
-                <a:schemeClr val="bg1"/>
-              </a:solidFill>
-              <a:effectLst>
-                <a:outerShdw blurRad="38100" dist="38100" dir="2700000" algn="tl">
-                  <a:srgbClr val="000000">
-                    <a:alpha val="43137"/>
-                  </a:srgbClr>
-                </a:outerShdw>
-              </a:effectLst>
-              <a:latin typeface="Arial" pitchFamily="34" charset="0"/>
-              <a:cs typeface="Arial" pitchFamily="34" charset="0"/>
-            </a:endParaRPr>
           </a:p>
           <a:p>
             <a:pPr>
@@ -4027,20 +4012,6 @@
               </a:rPr>
               <a:t>Егорова Е. В.</a:t>
             </a:r>
-            <a:endParaRPr lang="ru-RU" dirty="0" smtClean="0">
-              <a:solidFill>
-                <a:schemeClr val="bg1"/>
-              </a:solidFill>
-              <a:effectLst>
-                <a:outerShdw blurRad="38100" dist="38100" dir="2700000" algn="tl">
-                  <a:srgbClr val="000000">
-                    <a:alpha val="43137"/>
-                  </a:srgbClr>
-                </a:outerShdw>
-              </a:effectLst>
-              <a:latin typeface="Arial" pitchFamily="34" charset="0"/>
-              <a:cs typeface="Arial" pitchFamily="34" charset="0"/>
-            </a:endParaRPr>
           </a:p>
           <a:p>
             <a:pPr lvl="1">
@@ -5931,25 +5902,29 @@
           </a:p>
         </p:txBody>
       </p:sp>
-      <p:sp>
-        <p:nvSpPr>
-          <p:cNvPr id="7" name="Содержимое 6"/>
-          <p:cNvSpPr>
-            <a:spLocks noGrp="1"/>
-          </p:cNvSpPr>
+      <p:pic>
+        <p:nvPicPr>
+          <p:cNvPr id="9" name="Содержимое 8" descr="BPMN.png"/>
+          <p:cNvPicPr>
+            <a:picLocks noGrp="1" noChangeAspect="1"/>
+          </p:cNvPicPr>
           <p:nvPr>
             <p:ph idx="1"/>
           </p:nvPr>
-        </p:nvSpPr>
-        <p:spPr/>
-        <p:txBody>
-          <a:bodyPr/>
-          <a:lstStyle/>
-          <a:p>
-            <a:endParaRPr lang="ru-RU" dirty="0"/>
-          </a:p>
-        </p:txBody>
-      </p:sp>
+        </p:nvPicPr>
+        <p:blipFill>
+          <a:blip r:embed="rId2" cstate="print"/>
+          <a:stretch>
+            <a:fillRect/>
+          </a:stretch>
+        </p:blipFill>
+        <p:spPr>
+          <a:xfrm>
+            <a:off x="457200" y="2087432"/>
+            <a:ext cx="8229600" cy="3551499"/>
+          </a:xfrm>
+        </p:spPr>
+      </p:pic>
       <p:sp>
         <p:nvSpPr>
           <p:cNvPr id="12" name="Заголовок 5"/>
@@ -6384,9 +6359,9 @@
           <p:nvPr/>
         </p:nvSpPr>
         <p:spPr>
-          <a:xfrm>
-            <a:off x="0" y="6525344"/>
-            <a:ext cx="9144000" cy="332656"/>
+          <a:xfrm flipV="1">
+            <a:off x="0" y="6857999"/>
+            <a:ext cx="9144000" cy="45719"/>
           </a:xfrm>
           <a:prstGeom prst="rect">
             <a:avLst/>
@@ -6420,25 +6395,29 @@
           </a:p>
         </p:txBody>
       </p:sp>
-      <p:sp>
-        <p:nvSpPr>
-          <p:cNvPr id="7" name="Содержимое 6"/>
-          <p:cNvSpPr>
-            <a:spLocks noGrp="1"/>
-          </p:cNvSpPr>
+      <p:pic>
+        <p:nvPicPr>
+          <p:cNvPr id="9" name="Содержимое 8" descr="IDEF1x.png"/>
+          <p:cNvPicPr>
+            <a:picLocks noGrp="1" noChangeAspect="1"/>
+          </p:cNvPicPr>
           <p:nvPr>
             <p:ph idx="1"/>
           </p:nvPr>
-        </p:nvSpPr>
-        <p:spPr/>
-        <p:txBody>
-          <a:bodyPr/>
-          <a:lstStyle/>
-          <a:p>
-            <a:endParaRPr lang="ru-RU" dirty="0"/>
-          </a:p>
-        </p:txBody>
-      </p:sp>
+        </p:nvPicPr>
+        <p:blipFill>
+          <a:blip r:embed="rId2" cstate="print"/>
+          <a:stretch>
+            <a:fillRect/>
+          </a:stretch>
+        </p:blipFill>
+        <p:spPr>
+          <a:xfrm>
+            <a:off x="0" y="908720"/>
+            <a:ext cx="9143999" cy="5949280"/>
+          </a:xfrm>
+        </p:spPr>
+      </p:pic>
       <p:sp>
         <p:nvSpPr>
           <p:cNvPr id="12" name="Заголовок 5"/>
@@ -6451,7 +6430,7 @@
         </p:nvSpPr>
         <p:spPr>
           <a:xfrm>
-            <a:off x="457200" y="274638"/>
+            <a:off x="395536" y="0"/>
             <a:ext cx="8229600" cy="1143000"/>
           </a:xfrm>
         </p:spPr>
@@ -6490,7 +6469,7 @@
         </p:nvCxnSpPr>
         <p:spPr>
           <a:xfrm>
-            <a:off x="0" y="1340768"/>
+            <a:off x="0" y="836712"/>
             <a:ext cx="9144000" cy="0"/>
           </a:xfrm>
           <a:prstGeom prst="line">

--- a/Диплом/Диплом.pptx
+++ b/Диплом/Диплом.pptx
@@ -5,26 +5,28 @@
     <p:sldMasterId id="2147483648" r:id="rId1"/>
   </p:sldMasterIdLst>
   <p:notesMasterIdLst>
-    <p:notesMasterId r:id="rId16"/>
+    <p:notesMasterId r:id="rId18"/>
   </p:notesMasterIdLst>
   <p:handoutMasterIdLst>
-    <p:handoutMasterId r:id="rId17"/>
+    <p:handoutMasterId r:id="rId19"/>
   </p:handoutMasterIdLst>
   <p:sldIdLst>
     <p:sldId id="256" r:id="rId2"/>
     <p:sldId id="257" r:id="rId3"/>
     <p:sldId id="258" r:id="rId4"/>
-    <p:sldId id="263" r:id="rId5"/>
-    <p:sldId id="264" r:id="rId6"/>
-    <p:sldId id="265" r:id="rId7"/>
-    <p:sldId id="266" r:id="rId8"/>
-    <p:sldId id="267" r:id="rId9"/>
-    <p:sldId id="268" r:id="rId10"/>
-    <p:sldId id="269" r:id="rId11"/>
-    <p:sldId id="270" r:id="rId12"/>
-    <p:sldId id="271" r:id="rId13"/>
-    <p:sldId id="260" r:id="rId14"/>
-    <p:sldId id="261" r:id="rId15"/>
+    <p:sldId id="272" r:id="rId5"/>
+    <p:sldId id="273" r:id="rId6"/>
+    <p:sldId id="263" r:id="rId7"/>
+    <p:sldId id="264" r:id="rId8"/>
+    <p:sldId id="265" r:id="rId9"/>
+    <p:sldId id="266" r:id="rId10"/>
+    <p:sldId id="267" r:id="rId11"/>
+    <p:sldId id="268" r:id="rId12"/>
+    <p:sldId id="269" r:id="rId13"/>
+    <p:sldId id="270" r:id="rId14"/>
+    <p:sldId id="271" r:id="rId15"/>
+    <p:sldId id="260" r:id="rId16"/>
+    <p:sldId id="261" r:id="rId17"/>
   </p:sldIdLst>
   <p:sldSz cx="9144000" cy="6858000" type="screen4x3"/>
   <p:notesSz cx="6858000" cy="9144000"/>
@@ -209,7 +211,7 @@
             <a:fld id="{7F5DB248-0738-47B3-B3D7-CE1BD2A234DB}" type="datetimeFigureOut">
               <a:rPr lang="ru-RU" smtClean="0"/>
               <a:pPr/>
-              <a:t>29.04.2019</a:t>
+              <a:t>09.05.2019</a:t>
             </a:fld>
             <a:endParaRPr lang="ru-RU"/>
           </a:p>
@@ -372,7 +374,7 @@
             <a:fld id="{4704B008-0BAD-4C27-A472-434BBB474E53}" type="datetimeFigureOut">
               <a:rPr lang="ru-RU" smtClean="0"/>
               <a:pPr/>
-              <a:t>29.04.2019</a:t>
+              <a:t>09.05.2019</a:t>
             </a:fld>
             <a:endParaRPr lang="ru-RU"/>
           </a:p>
@@ -937,7 +939,7 @@
             <a:fld id="{0640748F-13E5-44EB-9536-2BAC0E914A0D}" type="datetime1">
               <a:rPr lang="ru-RU" smtClean="0"/>
               <a:pPr/>
-              <a:t>29.04.2019</a:t>
+              <a:t>09.05.2019</a:t>
             </a:fld>
             <a:endParaRPr lang="ru-RU"/>
           </a:p>
@@ -1104,7 +1106,7 @@
             <a:fld id="{37D6160F-F140-494A-94D8-8CA4AD11286E}" type="datetime1">
               <a:rPr lang="ru-RU" smtClean="0"/>
               <a:pPr/>
-              <a:t>29.04.2019</a:t>
+              <a:t>09.05.2019</a:t>
             </a:fld>
             <a:endParaRPr lang="ru-RU"/>
           </a:p>
@@ -1281,7 +1283,7 @@
             <a:fld id="{F13392E5-F855-405F-9026-0C1540D64142}" type="datetime1">
               <a:rPr lang="ru-RU" smtClean="0"/>
               <a:pPr/>
-              <a:t>29.04.2019</a:t>
+              <a:t>09.05.2019</a:t>
             </a:fld>
             <a:endParaRPr lang="ru-RU"/>
           </a:p>
@@ -1448,7 +1450,7 @@
             <a:fld id="{4CEC4B27-0617-4024-BC56-399C134214F0}" type="datetime1">
               <a:rPr lang="ru-RU" smtClean="0"/>
               <a:pPr/>
-              <a:t>29.04.2019</a:t>
+              <a:t>09.05.2019</a:t>
             </a:fld>
             <a:endParaRPr lang="ru-RU"/>
           </a:p>
@@ -1691,7 +1693,7 @@
             <a:fld id="{70D379A6-28B4-4F9B-B4E5-7213B4555F4B}" type="datetime1">
               <a:rPr lang="ru-RU" smtClean="0"/>
               <a:pPr/>
-              <a:t>29.04.2019</a:t>
+              <a:t>09.05.2019</a:t>
             </a:fld>
             <a:endParaRPr lang="ru-RU"/>
           </a:p>
@@ -1976,7 +1978,7 @@
             <a:fld id="{7BFDEC38-6AAC-4423-B97F-767286212B2A}" type="datetime1">
               <a:rPr lang="ru-RU" smtClean="0"/>
               <a:pPr/>
-              <a:t>29.04.2019</a:t>
+              <a:t>09.05.2019</a:t>
             </a:fld>
             <a:endParaRPr lang="ru-RU"/>
           </a:p>
@@ -2395,7 +2397,7 @@
             <a:fld id="{064C8041-C315-4478-9CD0-B16B993633E7}" type="datetime1">
               <a:rPr lang="ru-RU" smtClean="0"/>
               <a:pPr/>
-              <a:t>29.04.2019</a:t>
+              <a:t>09.05.2019</a:t>
             </a:fld>
             <a:endParaRPr lang="ru-RU"/>
           </a:p>
@@ -2510,7 +2512,7 @@
             <a:fld id="{6396F0AF-C635-4D7C-9C71-C25DE2202A8F}" type="datetime1">
               <a:rPr lang="ru-RU" smtClean="0"/>
               <a:pPr/>
-              <a:t>29.04.2019</a:t>
+              <a:t>09.05.2019</a:t>
             </a:fld>
             <a:endParaRPr lang="ru-RU"/>
           </a:p>
@@ -2602,7 +2604,7 @@
             <a:fld id="{AF5A6D49-2016-43AB-B2A7-CBB30EA78D55}" type="datetime1">
               <a:rPr lang="ru-RU" smtClean="0"/>
               <a:pPr/>
-              <a:t>29.04.2019</a:t>
+              <a:t>09.05.2019</a:t>
             </a:fld>
             <a:endParaRPr lang="ru-RU"/>
           </a:p>
@@ -2876,7 +2878,7 @@
             <a:fld id="{BA710D15-77C1-48E9-9C0B-149B2D0C9FEE}" type="datetime1">
               <a:rPr lang="ru-RU" smtClean="0"/>
               <a:pPr/>
-              <a:t>29.04.2019</a:t>
+              <a:t>09.05.2019</a:t>
             </a:fld>
             <a:endParaRPr lang="ru-RU"/>
           </a:p>
@@ -3126,7 +3128,7 @@
             <a:fld id="{AB8A58D6-DA83-4E50-BB34-56F9D4CDF762}" type="datetime1">
               <a:rPr lang="ru-RU" smtClean="0"/>
               <a:pPr/>
-              <a:t>29.04.2019</a:t>
+              <a:t>09.05.2019</a:t>
             </a:fld>
             <a:endParaRPr lang="ru-RU"/>
           </a:p>
@@ -3336,7 +3338,7 @@
             <a:fld id="{1BBB92CA-7D40-4DCF-8CC7-5082001E660C}" type="datetime1">
               <a:rPr lang="ru-RU" smtClean="0"/>
               <a:pPr/>
-              <a:t>29.04.2019</a:t>
+              <a:t>09.05.2019</a:t>
             </a:fld>
             <a:endParaRPr lang="ru-RU"/>
           </a:p>
@@ -4780,7 +4782,7 @@
                 <a:latin typeface="Arial" pitchFamily="34" charset="0"/>
                 <a:cs typeface="Arial" pitchFamily="34" charset="0"/>
               </a:rPr>
-              <a:t>Отчеты</a:t>
+              <a:t>Программное обеспечение</a:t>
             </a:r>
             <a:endParaRPr lang="ru-RU" sz="3200" dirty="0">
               <a:solidFill>
@@ -4985,7 +4987,7 @@
           <a:bodyPr/>
           <a:lstStyle/>
           <a:p>
-            <a:endParaRPr lang="ru-RU"/>
+            <a:endParaRPr lang="ru-RU" dirty="0"/>
           </a:p>
         </p:txBody>
       </p:sp>
@@ -5017,10 +5019,9 @@
                   <a:srgbClr val="34388D"/>
                 </a:solidFill>
                 <a:latin typeface="Arial" pitchFamily="34" charset="0"/>
-                <a:ea typeface="Verdana" pitchFamily="34" charset="0"/>
                 <a:cs typeface="Arial" pitchFamily="34" charset="0"/>
               </a:rPr>
-              <a:t>Заключение</a:t>
+              <a:t>Программное обеспечение</a:t>
             </a:r>
             <a:endParaRPr lang="ru-RU" sz="3200" dirty="0">
               <a:solidFill>
@@ -5070,7 +5071,7 @@
       </p:cxnSp>
       <p:sp>
         <p:nvSpPr>
-          <p:cNvPr id="16" name="Номер слайда 15"/>
+          <p:cNvPr id="8" name="Номер слайда 7"/>
           <p:cNvSpPr>
             <a:spLocks noGrp="1"/>
           </p:cNvSpPr>
@@ -5078,34 +5079,17 @@
             <p:ph type="sldNum" sz="quarter" idx="12"/>
           </p:nvPr>
         </p:nvSpPr>
-        <p:spPr>
-          <a:xfrm>
-            <a:off x="6804248" y="6492875"/>
-            <a:ext cx="2133600" cy="365125"/>
-          </a:xfrm>
-        </p:spPr>
+        <p:spPr/>
         <p:txBody>
           <a:bodyPr/>
           <a:lstStyle/>
           <a:p>
             <a:fld id="{725C68B6-61C2-468F-89AB-4B9F7531AA68}" type="slidenum">
-              <a:rPr lang="ru-RU" sz="1800" smtClean="0">
-                <a:solidFill>
-                  <a:schemeClr val="bg1"/>
-                </a:solidFill>
-                <a:latin typeface="Arial" pitchFamily="34" charset="0"/>
-                <a:cs typeface="Arial" pitchFamily="34" charset="0"/>
-              </a:rPr>
+              <a:rPr lang="ru-RU" smtClean="0"/>
               <a:pPr/>
               <a:t>13</a:t>
             </a:fld>
-            <a:endParaRPr lang="ru-RU" sz="1800" dirty="0">
-              <a:solidFill>
-                <a:schemeClr val="bg1"/>
-              </a:solidFill>
-              <a:latin typeface="Arial" pitchFamily="34" charset="0"/>
-              <a:cs typeface="Arial" pitchFamily="34" charset="0"/>
-            </a:endParaRPr>
+            <a:endParaRPr lang="ru-RU"/>
           </a:p>
         </p:txBody>
       </p:sp>
@@ -5125,6 +5109,502 @@
 </file>
 
 <file path=ppt/slides/slide14.xml><?xml version="1.0" encoding="utf-8"?>
+<p:sld xmlns:a="http://schemas.openxmlformats.org/drawingml/2006/main" xmlns:r="http://schemas.openxmlformats.org/officeDocument/2006/relationships" xmlns:p="http://schemas.openxmlformats.org/presentationml/2006/main">
+  <p:cSld>
+    <p:spTree>
+      <p:nvGrpSpPr>
+        <p:cNvPr id="1" name=""/>
+        <p:cNvGrpSpPr/>
+        <p:nvPr/>
+      </p:nvGrpSpPr>
+      <p:grpSpPr>
+        <a:xfrm>
+          <a:off x="0" y="0"/>
+          <a:ext cx="0" cy="0"/>
+          <a:chOff x="0" y="0"/>
+          <a:chExt cx="0" cy="0"/>
+        </a:xfrm>
+      </p:grpSpPr>
+      <p:sp>
+        <p:nvSpPr>
+          <p:cNvPr id="4" name="Прямоугольник 3"/>
+          <p:cNvSpPr/>
+          <p:nvPr/>
+        </p:nvSpPr>
+        <p:spPr>
+          <a:xfrm>
+            <a:off x="0" y="0"/>
+            <a:ext cx="9144000" cy="332656"/>
+          </a:xfrm>
+          <a:prstGeom prst="rect">
+            <a:avLst/>
+          </a:prstGeom>
+          <a:solidFill>
+            <a:srgbClr val="34388D"/>
+          </a:solidFill>
+        </p:spPr>
+        <p:style>
+          <a:lnRef idx="2">
+            <a:schemeClr val="accent1">
+              <a:shade val="50000"/>
+            </a:schemeClr>
+          </a:lnRef>
+          <a:fillRef idx="1">
+            <a:schemeClr val="accent1"/>
+          </a:fillRef>
+          <a:effectRef idx="0">
+            <a:schemeClr val="accent1"/>
+          </a:effectRef>
+          <a:fontRef idx="minor">
+            <a:schemeClr val="lt1"/>
+          </a:fontRef>
+        </p:style>
+        <p:txBody>
+          <a:bodyPr rtlCol="0" anchor="ctr"/>
+          <a:lstStyle/>
+          <a:p>
+            <a:pPr algn="ctr"/>
+            <a:endParaRPr lang="ru-RU" dirty="0"/>
+          </a:p>
+        </p:txBody>
+      </p:sp>
+      <p:sp>
+        <p:nvSpPr>
+          <p:cNvPr id="5" name="Прямоугольник 4"/>
+          <p:cNvSpPr/>
+          <p:nvPr/>
+        </p:nvSpPr>
+        <p:spPr>
+          <a:xfrm>
+            <a:off x="0" y="6525344"/>
+            <a:ext cx="9144000" cy="332656"/>
+          </a:xfrm>
+          <a:prstGeom prst="rect">
+            <a:avLst/>
+          </a:prstGeom>
+          <a:solidFill>
+            <a:srgbClr val="34388D"/>
+          </a:solidFill>
+        </p:spPr>
+        <p:style>
+          <a:lnRef idx="2">
+            <a:schemeClr val="accent1">
+              <a:shade val="50000"/>
+            </a:schemeClr>
+          </a:lnRef>
+          <a:fillRef idx="1">
+            <a:schemeClr val="accent1"/>
+          </a:fillRef>
+          <a:effectRef idx="0">
+            <a:schemeClr val="accent1"/>
+          </a:effectRef>
+          <a:fontRef idx="minor">
+            <a:schemeClr val="lt1"/>
+          </a:fontRef>
+        </p:style>
+        <p:txBody>
+          <a:bodyPr rtlCol="0" anchor="ctr"/>
+          <a:lstStyle/>
+          <a:p>
+            <a:pPr algn="ctr"/>
+            <a:endParaRPr lang="ru-RU" dirty="0"/>
+          </a:p>
+        </p:txBody>
+      </p:sp>
+      <p:sp>
+        <p:nvSpPr>
+          <p:cNvPr id="7" name="Содержимое 6"/>
+          <p:cNvSpPr>
+            <a:spLocks noGrp="1"/>
+          </p:cNvSpPr>
+          <p:nvPr>
+            <p:ph idx="1"/>
+          </p:nvPr>
+        </p:nvSpPr>
+        <p:spPr/>
+        <p:txBody>
+          <a:bodyPr/>
+          <a:lstStyle/>
+          <a:p>
+            <a:endParaRPr lang="ru-RU" dirty="0"/>
+          </a:p>
+        </p:txBody>
+      </p:sp>
+      <p:sp>
+        <p:nvSpPr>
+          <p:cNvPr id="12" name="Заголовок 5"/>
+          <p:cNvSpPr>
+            <a:spLocks noGrp="1"/>
+          </p:cNvSpPr>
+          <p:nvPr>
+            <p:ph type="title"/>
+          </p:nvPr>
+        </p:nvSpPr>
+        <p:spPr>
+          <a:xfrm>
+            <a:off x="457200" y="274638"/>
+            <a:ext cx="8229600" cy="1143000"/>
+          </a:xfrm>
+        </p:spPr>
+        <p:txBody>
+          <a:bodyPr>
+            <a:normAutofit/>
+          </a:bodyPr>
+          <a:lstStyle/>
+          <a:p>
+            <a:r>
+              <a:rPr lang="ru-RU" sz="3200" dirty="0" smtClean="0">
+                <a:solidFill>
+                  <a:srgbClr val="34388D"/>
+                </a:solidFill>
+                <a:latin typeface="Arial" pitchFamily="34" charset="0"/>
+                <a:cs typeface="Arial" pitchFamily="34" charset="0"/>
+              </a:rPr>
+              <a:t>Отчеты</a:t>
+            </a:r>
+            <a:endParaRPr lang="ru-RU" sz="3200" dirty="0">
+              <a:solidFill>
+                <a:srgbClr val="34388D"/>
+              </a:solidFill>
+              <a:latin typeface="Arial" pitchFamily="34" charset="0"/>
+              <a:ea typeface="Verdana" pitchFamily="34" charset="0"/>
+              <a:cs typeface="Arial" pitchFamily="34" charset="0"/>
+            </a:endParaRPr>
+          </a:p>
+        </p:txBody>
+      </p:sp>
+      <p:cxnSp>
+        <p:nvCxnSpPr>
+          <p:cNvPr id="13" name="Прямая соединительная линия 12"/>
+          <p:cNvCxnSpPr/>
+          <p:nvPr/>
+        </p:nvCxnSpPr>
+        <p:spPr>
+          <a:xfrm>
+            <a:off x="0" y="1340768"/>
+            <a:ext cx="9144000" cy="0"/>
+          </a:xfrm>
+          <a:prstGeom prst="line">
+            <a:avLst/>
+          </a:prstGeom>
+          <a:ln>
+            <a:solidFill>
+              <a:srgbClr val="34388D"/>
+            </a:solidFill>
+          </a:ln>
+        </p:spPr>
+        <p:style>
+          <a:lnRef idx="2">
+            <a:schemeClr val="accent1"/>
+          </a:lnRef>
+          <a:fillRef idx="0">
+            <a:schemeClr val="accent1"/>
+          </a:fillRef>
+          <a:effectRef idx="1">
+            <a:schemeClr val="accent1"/>
+          </a:effectRef>
+          <a:fontRef idx="minor">
+            <a:schemeClr val="tx1"/>
+          </a:fontRef>
+        </p:style>
+      </p:cxnSp>
+      <p:sp>
+        <p:nvSpPr>
+          <p:cNvPr id="8" name="Номер слайда 7"/>
+          <p:cNvSpPr>
+            <a:spLocks noGrp="1"/>
+          </p:cNvSpPr>
+          <p:nvPr>
+            <p:ph type="sldNum" sz="quarter" idx="12"/>
+          </p:nvPr>
+        </p:nvSpPr>
+        <p:spPr/>
+        <p:txBody>
+          <a:bodyPr/>
+          <a:lstStyle/>
+          <a:p>
+            <a:fld id="{725C68B6-61C2-468F-89AB-4B9F7531AA68}" type="slidenum">
+              <a:rPr lang="ru-RU" smtClean="0"/>
+              <a:pPr/>
+              <a:t>14</a:t>
+            </a:fld>
+            <a:endParaRPr lang="ru-RU"/>
+          </a:p>
+        </p:txBody>
+      </p:sp>
+    </p:spTree>
+  </p:cSld>
+  <p:clrMapOvr>
+    <a:masterClrMapping/>
+  </p:clrMapOvr>
+  <p:timing>
+    <p:tnLst>
+      <p:par>
+        <p:cTn id="1" dur="indefinite" restart="never" nodeType="tmRoot"/>
+      </p:par>
+    </p:tnLst>
+  </p:timing>
+</p:sld>
+</file>
+
+<file path=ppt/slides/slide15.xml><?xml version="1.0" encoding="utf-8"?>
+<p:sld xmlns:a="http://schemas.openxmlformats.org/drawingml/2006/main" xmlns:r="http://schemas.openxmlformats.org/officeDocument/2006/relationships" xmlns:p="http://schemas.openxmlformats.org/presentationml/2006/main">
+  <p:cSld>
+    <p:spTree>
+      <p:nvGrpSpPr>
+        <p:cNvPr id="1" name=""/>
+        <p:cNvGrpSpPr/>
+        <p:nvPr/>
+      </p:nvGrpSpPr>
+      <p:grpSpPr>
+        <a:xfrm>
+          <a:off x="0" y="0"/>
+          <a:ext cx="0" cy="0"/>
+          <a:chOff x="0" y="0"/>
+          <a:chExt cx="0" cy="0"/>
+        </a:xfrm>
+      </p:grpSpPr>
+      <p:sp>
+        <p:nvSpPr>
+          <p:cNvPr id="4" name="Прямоугольник 3"/>
+          <p:cNvSpPr/>
+          <p:nvPr/>
+        </p:nvSpPr>
+        <p:spPr>
+          <a:xfrm>
+            <a:off x="0" y="0"/>
+            <a:ext cx="9144000" cy="332656"/>
+          </a:xfrm>
+          <a:prstGeom prst="rect">
+            <a:avLst/>
+          </a:prstGeom>
+          <a:solidFill>
+            <a:srgbClr val="34388D"/>
+          </a:solidFill>
+        </p:spPr>
+        <p:style>
+          <a:lnRef idx="2">
+            <a:schemeClr val="accent1">
+              <a:shade val="50000"/>
+            </a:schemeClr>
+          </a:lnRef>
+          <a:fillRef idx="1">
+            <a:schemeClr val="accent1"/>
+          </a:fillRef>
+          <a:effectRef idx="0">
+            <a:schemeClr val="accent1"/>
+          </a:effectRef>
+          <a:fontRef idx="minor">
+            <a:schemeClr val="lt1"/>
+          </a:fontRef>
+        </p:style>
+        <p:txBody>
+          <a:bodyPr rtlCol="0" anchor="ctr"/>
+          <a:lstStyle/>
+          <a:p>
+            <a:pPr algn="ctr"/>
+            <a:endParaRPr lang="ru-RU" dirty="0"/>
+          </a:p>
+        </p:txBody>
+      </p:sp>
+      <p:sp>
+        <p:nvSpPr>
+          <p:cNvPr id="5" name="Прямоугольник 4"/>
+          <p:cNvSpPr/>
+          <p:nvPr/>
+        </p:nvSpPr>
+        <p:spPr>
+          <a:xfrm>
+            <a:off x="0" y="6525344"/>
+            <a:ext cx="9144000" cy="332656"/>
+          </a:xfrm>
+          <a:prstGeom prst="rect">
+            <a:avLst/>
+          </a:prstGeom>
+          <a:solidFill>
+            <a:srgbClr val="34388D"/>
+          </a:solidFill>
+        </p:spPr>
+        <p:style>
+          <a:lnRef idx="2">
+            <a:schemeClr val="accent1">
+              <a:shade val="50000"/>
+            </a:schemeClr>
+          </a:lnRef>
+          <a:fillRef idx="1">
+            <a:schemeClr val="accent1"/>
+          </a:fillRef>
+          <a:effectRef idx="0">
+            <a:schemeClr val="accent1"/>
+          </a:effectRef>
+          <a:fontRef idx="minor">
+            <a:schemeClr val="lt1"/>
+          </a:fontRef>
+        </p:style>
+        <p:txBody>
+          <a:bodyPr rtlCol="0" anchor="ctr"/>
+          <a:lstStyle/>
+          <a:p>
+            <a:pPr algn="ctr"/>
+            <a:endParaRPr lang="ru-RU" dirty="0"/>
+          </a:p>
+        </p:txBody>
+      </p:sp>
+      <p:sp>
+        <p:nvSpPr>
+          <p:cNvPr id="7" name="Содержимое 6"/>
+          <p:cNvSpPr>
+            <a:spLocks noGrp="1"/>
+          </p:cNvSpPr>
+          <p:nvPr>
+            <p:ph idx="1"/>
+          </p:nvPr>
+        </p:nvSpPr>
+        <p:spPr/>
+        <p:txBody>
+          <a:bodyPr/>
+          <a:lstStyle/>
+          <a:p>
+            <a:endParaRPr lang="ru-RU"/>
+          </a:p>
+        </p:txBody>
+      </p:sp>
+      <p:sp>
+        <p:nvSpPr>
+          <p:cNvPr id="12" name="Заголовок 5"/>
+          <p:cNvSpPr>
+            <a:spLocks noGrp="1"/>
+          </p:cNvSpPr>
+          <p:nvPr>
+            <p:ph type="title"/>
+          </p:nvPr>
+        </p:nvSpPr>
+        <p:spPr>
+          <a:xfrm>
+            <a:off x="457200" y="274638"/>
+            <a:ext cx="8229600" cy="1143000"/>
+          </a:xfrm>
+        </p:spPr>
+        <p:txBody>
+          <a:bodyPr>
+            <a:normAutofit/>
+          </a:bodyPr>
+          <a:lstStyle/>
+          <a:p>
+            <a:r>
+              <a:rPr lang="ru-RU" sz="3200" dirty="0" smtClean="0">
+                <a:solidFill>
+                  <a:srgbClr val="34388D"/>
+                </a:solidFill>
+                <a:latin typeface="Arial" pitchFamily="34" charset="0"/>
+                <a:ea typeface="Verdana" pitchFamily="34" charset="0"/>
+                <a:cs typeface="Arial" pitchFamily="34" charset="0"/>
+              </a:rPr>
+              <a:t>Заключение</a:t>
+            </a:r>
+            <a:endParaRPr lang="ru-RU" sz="3200" dirty="0">
+              <a:solidFill>
+                <a:srgbClr val="34388D"/>
+              </a:solidFill>
+              <a:latin typeface="Arial" pitchFamily="34" charset="0"/>
+              <a:ea typeface="Verdana" pitchFamily="34" charset="0"/>
+              <a:cs typeface="Arial" pitchFamily="34" charset="0"/>
+            </a:endParaRPr>
+          </a:p>
+        </p:txBody>
+      </p:sp>
+      <p:cxnSp>
+        <p:nvCxnSpPr>
+          <p:cNvPr id="13" name="Прямая соединительная линия 12"/>
+          <p:cNvCxnSpPr/>
+          <p:nvPr/>
+        </p:nvCxnSpPr>
+        <p:spPr>
+          <a:xfrm>
+            <a:off x="0" y="1340768"/>
+            <a:ext cx="9144000" cy="0"/>
+          </a:xfrm>
+          <a:prstGeom prst="line">
+            <a:avLst/>
+          </a:prstGeom>
+          <a:ln>
+            <a:solidFill>
+              <a:srgbClr val="34388D"/>
+            </a:solidFill>
+          </a:ln>
+        </p:spPr>
+        <p:style>
+          <a:lnRef idx="2">
+            <a:schemeClr val="accent1"/>
+          </a:lnRef>
+          <a:fillRef idx="0">
+            <a:schemeClr val="accent1"/>
+          </a:fillRef>
+          <a:effectRef idx="1">
+            <a:schemeClr val="accent1"/>
+          </a:effectRef>
+          <a:fontRef idx="minor">
+            <a:schemeClr val="tx1"/>
+          </a:fontRef>
+        </p:style>
+      </p:cxnSp>
+      <p:sp>
+        <p:nvSpPr>
+          <p:cNvPr id="16" name="Номер слайда 15"/>
+          <p:cNvSpPr>
+            <a:spLocks noGrp="1"/>
+          </p:cNvSpPr>
+          <p:nvPr>
+            <p:ph type="sldNum" sz="quarter" idx="12"/>
+          </p:nvPr>
+        </p:nvSpPr>
+        <p:spPr>
+          <a:xfrm>
+            <a:off x="6804248" y="6492875"/>
+            <a:ext cx="2133600" cy="365125"/>
+          </a:xfrm>
+        </p:spPr>
+        <p:txBody>
+          <a:bodyPr/>
+          <a:lstStyle/>
+          <a:p>
+            <a:fld id="{725C68B6-61C2-468F-89AB-4B9F7531AA68}" type="slidenum">
+              <a:rPr lang="ru-RU" sz="1800" smtClean="0">
+                <a:solidFill>
+                  <a:schemeClr val="bg1"/>
+                </a:solidFill>
+                <a:latin typeface="Arial" pitchFamily="34" charset="0"/>
+                <a:cs typeface="Arial" pitchFamily="34" charset="0"/>
+              </a:rPr>
+              <a:pPr/>
+              <a:t>15</a:t>
+            </a:fld>
+            <a:endParaRPr lang="ru-RU" sz="1800" dirty="0">
+              <a:solidFill>
+                <a:schemeClr val="bg1"/>
+              </a:solidFill>
+              <a:latin typeface="Arial" pitchFamily="34" charset="0"/>
+              <a:cs typeface="Arial" pitchFamily="34" charset="0"/>
+            </a:endParaRPr>
+          </a:p>
+        </p:txBody>
+      </p:sp>
+    </p:spTree>
+  </p:cSld>
+  <p:clrMapOvr>
+    <a:masterClrMapping/>
+  </p:clrMapOvr>
+  <p:timing>
+    <p:tnLst>
+      <p:par>
+        <p:cTn id="1" dur="indefinite" restart="never" nodeType="tmRoot"/>
+      </p:par>
+    </p:tnLst>
+  </p:timing>
+</p:sld>
+</file>
+
+<file path=ppt/slides/slide16.xml><?xml version="1.0" encoding="utf-8"?>
 <p:sld xmlns:a="http://schemas.openxmlformats.org/drawingml/2006/main" xmlns:r="http://schemas.openxmlformats.org/officeDocument/2006/relationships" xmlns:p="http://schemas.openxmlformats.org/presentationml/2006/main">
   <p:cSld>
     <p:spTree>
@@ -5902,29 +6382,6 @@
           </a:p>
         </p:txBody>
       </p:sp>
-      <p:pic>
-        <p:nvPicPr>
-          <p:cNvPr id="9" name="Содержимое 8" descr="BPMN.png"/>
-          <p:cNvPicPr>
-            <a:picLocks noGrp="1" noChangeAspect="1"/>
-          </p:cNvPicPr>
-          <p:nvPr>
-            <p:ph idx="1"/>
-          </p:nvPr>
-        </p:nvPicPr>
-        <p:blipFill>
-          <a:blip r:embed="rId2" cstate="print"/>
-          <a:stretch>
-            <a:fillRect/>
-          </a:stretch>
-        </p:blipFill>
-        <p:spPr>
-          <a:xfrm>
-            <a:off x="457200" y="2087432"/>
-            <a:ext cx="8229600" cy="3551499"/>
-          </a:xfrm>
-        </p:spPr>
-      </p:pic>
       <p:sp>
         <p:nvSpPr>
           <p:cNvPr id="12" name="Заголовок 5"/>
@@ -5948,7 +6405,7 @@
           <a:lstStyle/>
           <a:p>
             <a:r>
-              <a:rPr lang="en-GB" sz="3200" dirty="0" smtClean="0">
+              <a:rPr lang="ru-RU" sz="3200" dirty="0" smtClean="0">
                 <a:solidFill>
                   <a:srgbClr val="34388D"/>
                 </a:solidFill>
@@ -5956,7 +6413,7 @@
                 <a:ea typeface="Verdana" pitchFamily="34" charset="0"/>
                 <a:cs typeface="Arial" pitchFamily="34" charset="0"/>
               </a:rPr>
-              <a:t>BPMN</a:t>
+              <a:t>Диаграмма вариантов использования</a:t>
             </a:r>
             <a:endParaRPr lang="ru-RU" sz="3200" dirty="0">
               <a:solidFill>
@@ -6006,7 +6463,7 @@
       </p:cxnSp>
       <p:sp>
         <p:nvSpPr>
-          <p:cNvPr id="8" name="Номер слайда 7"/>
+          <p:cNvPr id="14" name="Номер слайда 13"/>
           <p:cNvSpPr>
             <a:spLocks noGrp="1"/>
           </p:cNvSpPr>
@@ -6014,20 +6471,63 @@
             <p:ph type="sldNum" sz="quarter" idx="12"/>
           </p:nvPr>
         </p:nvSpPr>
-        <p:spPr/>
+        <p:spPr>
+          <a:xfrm>
+            <a:off x="6804248" y="6492875"/>
+            <a:ext cx="2133600" cy="365125"/>
+          </a:xfrm>
+        </p:spPr>
         <p:txBody>
           <a:bodyPr/>
           <a:lstStyle/>
           <a:p>
             <a:fld id="{725C68B6-61C2-468F-89AB-4B9F7531AA68}" type="slidenum">
-              <a:rPr lang="ru-RU" smtClean="0"/>
+              <a:rPr lang="ru-RU" sz="1800" smtClean="0">
+                <a:solidFill>
+                  <a:schemeClr val="bg1"/>
+                </a:solidFill>
+                <a:latin typeface="Arial" pitchFamily="34" charset="0"/>
+                <a:cs typeface="Arial" pitchFamily="34" charset="0"/>
+              </a:rPr>
               <a:pPr/>
               <a:t>4</a:t>
             </a:fld>
-            <a:endParaRPr lang="ru-RU" dirty="0"/>
-          </a:p>
-        </p:txBody>
-      </p:sp>
+            <a:endParaRPr lang="ru-RU" sz="1800" dirty="0">
+              <a:solidFill>
+                <a:schemeClr val="bg1"/>
+              </a:solidFill>
+              <a:latin typeface="Arial" pitchFamily="34" charset="0"/>
+              <a:cs typeface="Arial" pitchFamily="34" charset="0"/>
+            </a:endParaRPr>
+          </a:p>
+        </p:txBody>
+      </p:sp>
+      <p:pic>
+        <p:nvPicPr>
+          <p:cNvPr id="1026" name="Picture 2" descr="C:\Users\Игорь\Desktop\EnergyThermo\Диплом\usecasedesign.png"/>
+          <p:cNvPicPr>
+            <a:picLocks noChangeAspect="1" noChangeArrowheads="1"/>
+          </p:cNvPicPr>
+          <p:nvPr/>
+        </p:nvPicPr>
+        <p:blipFill>
+          <a:blip r:embed="rId2" cstate="print"/>
+          <a:srcRect/>
+          <a:stretch>
+            <a:fillRect/>
+          </a:stretch>
+        </p:blipFill>
+        <p:spPr bwMode="auto">
+          <a:xfrm>
+            <a:off x="683568" y="1700808"/>
+            <a:ext cx="7851775" cy="4117975"/>
+          </a:xfrm>
+          <a:prstGeom prst="rect">
+            <a:avLst/>
+          </a:prstGeom>
+          <a:noFill/>
+        </p:spPr>
+      </p:pic>
     </p:spTree>
   </p:cSld>
   <p:clrMapOvr>
@@ -6148,25 +6648,6 @@
       </p:sp>
       <p:sp>
         <p:nvSpPr>
-          <p:cNvPr id="7" name="Содержимое 6"/>
-          <p:cNvSpPr>
-            <a:spLocks noGrp="1"/>
-          </p:cNvSpPr>
-          <p:nvPr>
-            <p:ph idx="1"/>
-          </p:nvPr>
-        </p:nvSpPr>
-        <p:spPr/>
-        <p:txBody>
-          <a:bodyPr/>
-          <a:lstStyle/>
-          <a:p>
-            <a:endParaRPr lang="ru-RU" dirty="0"/>
-          </a:p>
-        </p:txBody>
-      </p:sp>
-      <p:sp>
-        <p:nvSpPr>
           <p:cNvPr id="12" name="Заголовок 5"/>
           <p:cNvSpPr>
             <a:spLocks noGrp="1"/>
@@ -6187,25 +6668,16 @@
           </a:bodyPr>
           <a:lstStyle/>
           <a:p>
-            <a:r>
-              <a:rPr lang="en-GB" sz="3200" dirty="0" smtClean="0">
-                <a:solidFill>
-                  <a:srgbClr val="34388D"/>
-                </a:solidFill>
-                <a:latin typeface="Arial" pitchFamily="34" charset="0"/>
-                <a:cs typeface="Arial" pitchFamily="34" charset="0"/>
-              </a:rPr>
-              <a:t>UML-</a:t>
-            </a:r>
             <a:r>
               <a:rPr lang="ru-RU" sz="3200" dirty="0" smtClean="0">
                 <a:solidFill>
                   <a:srgbClr val="34388D"/>
                 </a:solidFill>
                 <a:latin typeface="Arial" pitchFamily="34" charset="0"/>
+                <a:ea typeface="Verdana" pitchFamily="34" charset="0"/>
                 <a:cs typeface="Arial" pitchFamily="34" charset="0"/>
               </a:rPr>
-              <a:t>диаграммам вариантов использования</a:t>
+              <a:t>Диаграмма вариантов использования</a:t>
             </a:r>
             <a:endParaRPr lang="ru-RU" sz="3200" dirty="0">
               <a:solidFill>
@@ -6255,7 +6727,7 @@
       </p:cxnSp>
       <p:sp>
         <p:nvSpPr>
-          <p:cNvPr id="9" name="Номер слайда 8"/>
+          <p:cNvPr id="14" name="Номер слайда 13"/>
           <p:cNvSpPr>
             <a:spLocks noGrp="1"/>
           </p:cNvSpPr>
@@ -6263,20 +6735,63 @@
             <p:ph type="sldNum" sz="quarter" idx="12"/>
           </p:nvPr>
         </p:nvSpPr>
-        <p:spPr/>
+        <p:spPr>
+          <a:xfrm>
+            <a:off x="6804248" y="6492875"/>
+            <a:ext cx="2133600" cy="365125"/>
+          </a:xfrm>
+        </p:spPr>
         <p:txBody>
           <a:bodyPr/>
           <a:lstStyle/>
           <a:p>
             <a:fld id="{725C68B6-61C2-468F-89AB-4B9F7531AA68}" type="slidenum">
-              <a:rPr lang="ru-RU" smtClean="0"/>
+              <a:rPr lang="ru-RU" sz="1800" smtClean="0">
+                <a:solidFill>
+                  <a:schemeClr val="bg1"/>
+                </a:solidFill>
+                <a:latin typeface="Arial" pitchFamily="34" charset="0"/>
+                <a:cs typeface="Arial" pitchFamily="34" charset="0"/>
+              </a:rPr>
               <a:pPr/>
               <a:t>5</a:t>
             </a:fld>
-            <a:endParaRPr lang="ru-RU"/>
-          </a:p>
-        </p:txBody>
-      </p:sp>
+            <a:endParaRPr lang="ru-RU" sz="1800" dirty="0">
+              <a:solidFill>
+                <a:schemeClr val="bg1"/>
+              </a:solidFill>
+              <a:latin typeface="Arial" pitchFamily="34" charset="0"/>
+              <a:cs typeface="Arial" pitchFamily="34" charset="0"/>
+            </a:endParaRPr>
+          </a:p>
+        </p:txBody>
+      </p:sp>
+      <p:pic>
+        <p:nvPicPr>
+          <p:cNvPr id="2050" name="Picture 2" descr="C:\Users\Игорь\Desktop\EnergyThermo\Диплом\usecasedesign2.png"/>
+          <p:cNvPicPr>
+            <a:picLocks noChangeAspect="1" noChangeArrowheads="1"/>
+          </p:cNvPicPr>
+          <p:nvPr/>
+        </p:nvPicPr>
+        <p:blipFill>
+          <a:blip r:embed="rId2" cstate="print"/>
+          <a:srcRect/>
+          <a:stretch>
+            <a:fillRect/>
+          </a:stretch>
+        </p:blipFill>
+        <p:spPr bwMode="auto">
+          <a:xfrm>
+            <a:off x="755576" y="1412776"/>
+            <a:ext cx="7848872" cy="4987367"/>
+          </a:xfrm>
+          <a:prstGeom prst="rect">
+            <a:avLst/>
+          </a:prstGeom>
+          <a:noFill/>
+        </p:spPr>
+      </p:pic>
     </p:spTree>
   </p:cSld>
   <p:clrMapOvr>
@@ -6359,9 +6874,9 @@
           <p:nvPr/>
         </p:nvSpPr>
         <p:spPr>
-          <a:xfrm flipV="1">
-            <a:off x="0" y="6857999"/>
-            <a:ext cx="9144000" cy="45719"/>
+          <a:xfrm>
+            <a:off x="0" y="6525344"/>
+            <a:ext cx="9144000" cy="332656"/>
           </a:xfrm>
           <a:prstGeom prst="rect">
             <a:avLst/>
@@ -6397,7 +6912,7 @@
       </p:sp>
       <p:pic>
         <p:nvPicPr>
-          <p:cNvPr id="9" name="Содержимое 8" descr="IDEF1x.png"/>
+          <p:cNvPr id="9" name="Содержимое 8" descr="BPMN.png"/>
           <p:cNvPicPr>
             <a:picLocks noGrp="1" noChangeAspect="1"/>
           </p:cNvPicPr>
@@ -6413,8 +6928,8 @@
         </p:blipFill>
         <p:spPr>
           <a:xfrm>
-            <a:off x="0" y="908720"/>
-            <a:ext cx="9143999" cy="5949280"/>
+            <a:off x="457200" y="2087432"/>
+            <a:ext cx="8229600" cy="3551499"/>
           </a:xfrm>
         </p:spPr>
       </p:pic>
@@ -6430,7 +6945,7 @@
         </p:nvSpPr>
         <p:spPr>
           <a:xfrm>
-            <a:off x="395536" y="0"/>
+            <a:off x="457200" y="274638"/>
             <a:ext cx="8229600" cy="1143000"/>
           </a:xfrm>
         </p:spPr>
@@ -6446,9 +6961,10 @@
                   <a:srgbClr val="34388D"/>
                 </a:solidFill>
                 <a:latin typeface="Arial" pitchFamily="34" charset="0"/>
+                <a:ea typeface="Verdana" pitchFamily="34" charset="0"/>
                 <a:cs typeface="Arial" pitchFamily="34" charset="0"/>
               </a:rPr>
-              <a:t>IDEF1X</a:t>
+              <a:t>BPMN</a:t>
             </a:r>
             <a:endParaRPr lang="ru-RU" sz="3200" dirty="0">
               <a:solidFill>
@@ -6469,7 +6985,7 @@
         </p:nvCxnSpPr>
         <p:spPr>
           <a:xfrm>
-            <a:off x="0" y="836712"/>
+            <a:off x="0" y="1340768"/>
             <a:ext cx="9144000" cy="0"/>
           </a:xfrm>
           <a:prstGeom prst="line">
@@ -6516,7 +7032,7 @@
               <a:pPr/>
               <a:t>6</a:t>
             </a:fld>
-            <a:endParaRPr lang="ru-RU"/>
+            <a:endParaRPr lang="ru-RU" dirty="0"/>
           </a:p>
         </p:txBody>
       </p:sp>
@@ -6680,6 +7196,16 @@
           <a:lstStyle/>
           <a:p>
             <a:r>
+              <a:rPr lang="en-GB" sz="3200" dirty="0" smtClean="0">
+                <a:solidFill>
+                  <a:srgbClr val="34388D"/>
+                </a:solidFill>
+                <a:latin typeface="Arial" pitchFamily="34" charset="0"/>
+                <a:cs typeface="Arial" pitchFamily="34" charset="0"/>
+              </a:rPr>
+              <a:t>UML-</a:t>
+            </a:r>
+            <a:r>
               <a:rPr lang="ru-RU" sz="3200" dirty="0" smtClean="0">
                 <a:solidFill>
                   <a:srgbClr val="34388D"/>
@@ -6687,7 +7213,7 @@
                 <a:latin typeface="Arial" pitchFamily="34" charset="0"/>
                 <a:cs typeface="Arial" pitchFamily="34" charset="0"/>
               </a:rPr>
-              <a:t>Диаграмма классов</a:t>
+              <a:t>диаграммам вариантов использования</a:t>
             </a:r>
             <a:endParaRPr lang="ru-RU" sz="3200" dirty="0">
               <a:solidFill>
@@ -6737,7 +7263,7 @@
       </p:cxnSp>
       <p:sp>
         <p:nvSpPr>
-          <p:cNvPr id="8" name="Номер слайда 7"/>
+          <p:cNvPr id="9" name="Номер слайда 8"/>
           <p:cNvSpPr>
             <a:spLocks noGrp="1"/>
           </p:cNvSpPr>
@@ -6841,9 +7367,9 @@
           <p:nvPr/>
         </p:nvSpPr>
         <p:spPr>
-          <a:xfrm>
-            <a:off x="0" y="6525344"/>
-            <a:ext cx="9144000" cy="332656"/>
+          <a:xfrm flipV="1">
+            <a:off x="0" y="6857999"/>
+            <a:ext cx="9144000" cy="45719"/>
           </a:xfrm>
           <a:prstGeom prst="rect">
             <a:avLst/>
@@ -6877,25 +7403,29 @@
           </a:p>
         </p:txBody>
       </p:sp>
-      <p:sp>
-        <p:nvSpPr>
-          <p:cNvPr id="7" name="Содержимое 6"/>
-          <p:cNvSpPr>
-            <a:spLocks noGrp="1"/>
-          </p:cNvSpPr>
+      <p:pic>
+        <p:nvPicPr>
+          <p:cNvPr id="9" name="Содержимое 8" descr="IDEF1x.png"/>
+          <p:cNvPicPr>
+            <a:picLocks noGrp="1" noChangeAspect="1"/>
+          </p:cNvPicPr>
           <p:nvPr>
             <p:ph idx="1"/>
           </p:nvPr>
-        </p:nvSpPr>
-        <p:spPr/>
-        <p:txBody>
-          <a:bodyPr/>
-          <a:lstStyle/>
-          <a:p>
-            <a:endParaRPr lang="ru-RU" dirty="0"/>
-          </a:p>
-        </p:txBody>
-      </p:sp>
+        </p:nvPicPr>
+        <p:blipFill>
+          <a:blip r:embed="rId2" cstate="print"/>
+          <a:stretch>
+            <a:fillRect/>
+          </a:stretch>
+        </p:blipFill>
+        <p:spPr>
+          <a:xfrm>
+            <a:off x="0" y="908720"/>
+            <a:ext cx="9143999" cy="5949280"/>
+          </a:xfrm>
+        </p:spPr>
+      </p:pic>
       <p:sp>
         <p:nvSpPr>
           <p:cNvPr id="12" name="Заголовок 5"/>
@@ -6908,7 +7438,7 @@
         </p:nvSpPr>
         <p:spPr>
           <a:xfrm>
-            <a:off x="457200" y="274638"/>
+            <a:off x="395536" y="0"/>
             <a:ext cx="8229600" cy="1143000"/>
           </a:xfrm>
         </p:spPr>
@@ -6919,14 +7449,14 @@
           <a:lstStyle/>
           <a:p>
             <a:r>
-              <a:rPr lang="ru-RU" sz="3200" dirty="0" smtClean="0">
+              <a:rPr lang="en-GB" sz="3200" dirty="0" smtClean="0">
                 <a:solidFill>
                   <a:srgbClr val="34388D"/>
                 </a:solidFill>
                 <a:latin typeface="Arial" pitchFamily="34" charset="0"/>
                 <a:cs typeface="Arial" pitchFamily="34" charset="0"/>
               </a:rPr>
-              <a:t>Программное обеспечение</a:t>
+              <a:t>IDEF1X</a:t>
             </a:r>
             <a:endParaRPr lang="ru-RU" sz="3200" dirty="0">
               <a:solidFill>
@@ -6947,7 +7477,7 @@
         </p:nvCxnSpPr>
         <p:spPr>
           <a:xfrm>
-            <a:off x="0" y="1340768"/>
+            <a:off x="0" y="836712"/>
             <a:ext cx="9144000" cy="0"/>
           </a:xfrm>
           <a:prstGeom prst="line">
@@ -7165,7 +7695,7 @@
                 <a:latin typeface="Arial" pitchFamily="34" charset="0"/>
                 <a:cs typeface="Arial" pitchFamily="34" charset="0"/>
               </a:rPr>
-              <a:t>Программное обеспечение</a:t>
+              <a:t>Диаграмма классов</a:t>
             </a:r>
             <a:endParaRPr lang="ru-RU" sz="3200" dirty="0">
               <a:solidFill>

--- a/Диплом/Диплом.pptx
+++ b/Диплом/Диплом.pptx
@@ -5,10 +5,10 @@
     <p:sldMasterId id="2147483648" r:id="rId1"/>
   </p:sldMasterIdLst>
   <p:notesMasterIdLst>
-    <p:notesMasterId r:id="rId18"/>
+    <p:notesMasterId r:id="rId16"/>
   </p:notesMasterIdLst>
   <p:handoutMasterIdLst>
-    <p:handoutMasterId r:id="rId19"/>
+    <p:handoutMasterId r:id="rId17"/>
   </p:handoutMasterIdLst>
   <p:sldIdLst>
     <p:sldId id="256" r:id="rId2"/>
@@ -17,16 +17,14 @@
     <p:sldId id="272" r:id="rId5"/>
     <p:sldId id="273" r:id="rId6"/>
     <p:sldId id="263" r:id="rId7"/>
-    <p:sldId id="264" r:id="rId8"/>
-    <p:sldId id="265" r:id="rId9"/>
-    <p:sldId id="266" r:id="rId10"/>
-    <p:sldId id="267" r:id="rId11"/>
-    <p:sldId id="268" r:id="rId12"/>
-    <p:sldId id="269" r:id="rId13"/>
-    <p:sldId id="270" r:id="rId14"/>
-    <p:sldId id="271" r:id="rId15"/>
-    <p:sldId id="260" r:id="rId16"/>
-    <p:sldId id="261" r:id="rId17"/>
+    <p:sldId id="265" r:id="rId8"/>
+    <p:sldId id="266" r:id="rId9"/>
+    <p:sldId id="267" r:id="rId10"/>
+    <p:sldId id="268" r:id="rId11"/>
+    <p:sldId id="269" r:id="rId12"/>
+    <p:sldId id="271" r:id="rId13"/>
+    <p:sldId id="260" r:id="rId14"/>
+    <p:sldId id="261" r:id="rId15"/>
   </p:sldIdLst>
   <p:sldSz cx="9144000" cy="6858000" type="screen4x3"/>
   <p:notesSz cx="6858000" cy="9144000"/>
@@ -211,7 +209,7 @@
             <a:fld id="{7F5DB248-0738-47B3-B3D7-CE1BD2A234DB}" type="datetimeFigureOut">
               <a:rPr lang="ru-RU" smtClean="0"/>
               <a:pPr/>
-              <a:t>09.05.2019</a:t>
+              <a:t>20.05.2019</a:t>
             </a:fld>
             <a:endParaRPr lang="ru-RU"/>
           </a:p>
@@ -374,7 +372,7 @@
             <a:fld id="{4704B008-0BAD-4C27-A472-434BBB474E53}" type="datetimeFigureOut">
               <a:rPr lang="ru-RU" smtClean="0"/>
               <a:pPr/>
-              <a:t>09.05.2019</a:t>
+              <a:t>20.05.2019</a:t>
             </a:fld>
             <a:endParaRPr lang="ru-RU"/>
           </a:p>
@@ -939,7 +937,7 @@
             <a:fld id="{0640748F-13E5-44EB-9536-2BAC0E914A0D}" type="datetime1">
               <a:rPr lang="ru-RU" smtClean="0"/>
               <a:pPr/>
-              <a:t>09.05.2019</a:t>
+              <a:t>20.05.2019</a:t>
             </a:fld>
             <a:endParaRPr lang="ru-RU"/>
           </a:p>
@@ -1106,7 +1104,7 @@
             <a:fld id="{37D6160F-F140-494A-94D8-8CA4AD11286E}" type="datetime1">
               <a:rPr lang="ru-RU" smtClean="0"/>
               <a:pPr/>
-              <a:t>09.05.2019</a:t>
+              <a:t>20.05.2019</a:t>
             </a:fld>
             <a:endParaRPr lang="ru-RU"/>
           </a:p>
@@ -1283,7 +1281,7 @@
             <a:fld id="{F13392E5-F855-405F-9026-0C1540D64142}" type="datetime1">
               <a:rPr lang="ru-RU" smtClean="0"/>
               <a:pPr/>
-              <a:t>09.05.2019</a:t>
+              <a:t>20.05.2019</a:t>
             </a:fld>
             <a:endParaRPr lang="ru-RU"/>
           </a:p>
@@ -1450,7 +1448,7 @@
             <a:fld id="{4CEC4B27-0617-4024-BC56-399C134214F0}" type="datetime1">
               <a:rPr lang="ru-RU" smtClean="0"/>
               <a:pPr/>
-              <a:t>09.05.2019</a:t>
+              <a:t>20.05.2019</a:t>
             </a:fld>
             <a:endParaRPr lang="ru-RU"/>
           </a:p>
@@ -1693,7 +1691,7 @@
             <a:fld id="{70D379A6-28B4-4F9B-B4E5-7213B4555F4B}" type="datetime1">
               <a:rPr lang="ru-RU" smtClean="0"/>
               <a:pPr/>
-              <a:t>09.05.2019</a:t>
+              <a:t>20.05.2019</a:t>
             </a:fld>
             <a:endParaRPr lang="ru-RU"/>
           </a:p>
@@ -1978,7 +1976,7 @@
             <a:fld id="{7BFDEC38-6AAC-4423-B97F-767286212B2A}" type="datetime1">
               <a:rPr lang="ru-RU" smtClean="0"/>
               <a:pPr/>
-              <a:t>09.05.2019</a:t>
+              <a:t>20.05.2019</a:t>
             </a:fld>
             <a:endParaRPr lang="ru-RU"/>
           </a:p>
@@ -2397,7 +2395,7 @@
             <a:fld id="{064C8041-C315-4478-9CD0-B16B993633E7}" type="datetime1">
               <a:rPr lang="ru-RU" smtClean="0"/>
               <a:pPr/>
-              <a:t>09.05.2019</a:t>
+              <a:t>20.05.2019</a:t>
             </a:fld>
             <a:endParaRPr lang="ru-RU"/>
           </a:p>
@@ -2512,7 +2510,7 @@
             <a:fld id="{6396F0AF-C635-4D7C-9C71-C25DE2202A8F}" type="datetime1">
               <a:rPr lang="ru-RU" smtClean="0"/>
               <a:pPr/>
-              <a:t>09.05.2019</a:t>
+              <a:t>20.05.2019</a:t>
             </a:fld>
             <a:endParaRPr lang="ru-RU"/>
           </a:p>
@@ -2604,7 +2602,7 @@
             <a:fld id="{AF5A6D49-2016-43AB-B2A7-CBB30EA78D55}" type="datetime1">
               <a:rPr lang="ru-RU" smtClean="0"/>
               <a:pPr/>
-              <a:t>09.05.2019</a:t>
+              <a:t>20.05.2019</a:t>
             </a:fld>
             <a:endParaRPr lang="ru-RU"/>
           </a:p>
@@ -2878,7 +2876,7 @@
             <a:fld id="{BA710D15-77C1-48E9-9C0B-149B2D0C9FEE}" type="datetime1">
               <a:rPr lang="ru-RU" smtClean="0"/>
               <a:pPr/>
-              <a:t>09.05.2019</a:t>
+              <a:t>20.05.2019</a:t>
             </a:fld>
             <a:endParaRPr lang="ru-RU"/>
           </a:p>
@@ -3128,7 +3126,7 @@
             <a:fld id="{AB8A58D6-DA83-4E50-BB34-56F9D4CDF762}" type="datetime1">
               <a:rPr lang="ru-RU" smtClean="0"/>
               <a:pPr/>
-              <a:t>09.05.2019</a:t>
+              <a:t>20.05.2019</a:t>
             </a:fld>
             <a:endParaRPr lang="ru-RU"/>
           </a:p>
@@ -3338,7 +3336,7 @@
             <a:fld id="{1BBB92CA-7D40-4DCF-8CC7-5082001E660C}" type="datetime1">
               <a:rPr lang="ru-RU" smtClean="0"/>
               <a:pPr/>
-              <a:t>09.05.2019</a:t>
+              <a:t>20.05.2019</a:t>
             </a:fld>
             <a:endParaRPr lang="ru-RU"/>
           </a:p>
@@ -4782,7 +4780,7 @@
                 <a:latin typeface="Arial" pitchFamily="34" charset="0"/>
                 <a:cs typeface="Arial" pitchFamily="34" charset="0"/>
               </a:rPr>
-              <a:t>Программное обеспечение</a:t>
+              <a:t>Отчеты</a:t>
             </a:r>
             <a:endParaRPr lang="ru-RU" sz="3200" dirty="0">
               <a:solidFill>
@@ -4984,8 +4982,95 @@
         </p:nvSpPr>
         <p:spPr/>
         <p:txBody>
-          <a:bodyPr/>
-          <a:lstStyle/>
+          <a:bodyPr>
+            <a:normAutofit lnSpcReduction="10000"/>
+          </a:bodyPr>
+          <a:lstStyle/>
+          <a:p>
+            <a:pPr algn="just">
+              <a:lnSpc>
+                <a:spcPct val="150000"/>
+              </a:lnSpc>
+            </a:pPr>
+            <a:r>
+              <a:rPr lang="ru-RU" sz="3000" dirty="0" smtClean="0">
+                <a:solidFill>
+                  <a:srgbClr val="34388D"/>
+                </a:solidFill>
+                <a:latin typeface="Calibri" panose="020F0502020204030204" pitchFamily="34" charset="0"/>
+                <a:cs typeface="Calibri" panose="020F0502020204030204" pitchFamily="34" charset="0"/>
+              </a:rPr>
+              <a:t>Изучена предметная область</a:t>
+            </a:r>
+          </a:p>
+          <a:p>
+            <a:pPr algn="just">
+              <a:lnSpc>
+                <a:spcPct val="150000"/>
+              </a:lnSpc>
+            </a:pPr>
+            <a:r>
+              <a:rPr lang="ru-RU" sz="3000" dirty="0" smtClean="0">
+                <a:solidFill>
+                  <a:srgbClr val="34388D"/>
+                </a:solidFill>
+                <a:latin typeface="Calibri" panose="020F0502020204030204" pitchFamily="34" charset="0"/>
+                <a:cs typeface="Calibri" panose="020F0502020204030204" pitchFamily="34" charset="0"/>
+              </a:rPr>
+              <a:t>Определены цели и задачи</a:t>
+            </a:r>
+          </a:p>
+          <a:p>
+            <a:pPr algn="just">
+              <a:lnSpc>
+                <a:spcPct val="150000"/>
+              </a:lnSpc>
+            </a:pPr>
+            <a:r>
+              <a:rPr lang="ru-RU" sz="3000" dirty="0" smtClean="0">
+                <a:solidFill>
+                  <a:srgbClr val="34388D"/>
+                </a:solidFill>
+                <a:latin typeface="Calibri" panose="020F0502020204030204" pitchFamily="34" charset="0"/>
+                <a:cs typeface="Calibri" panose="020F0502020204030204" pitchFamily="34" charset="0"/>
+              </a:rPr>
+              <a:t>Построены логическая и физическая модели данных</a:t>
+            </a:r>
+          </a:p>
+          <a:p>
+            <a:pPr algn="just">
+              <a:lnSpc>
+                <a:spcPct val="150000"/>
+              </a:lnSpc>
+            </a:pPr>
+            <a:r>
+              <a:rPr lang="ru-RU" sz="3000" dirty="0" smtClean="0">
+                <a:solidFill>
+                  <a:srgbClr val="34388D"/>
+                </a:solidFill>
+                <a:latin typeface="Calibri" panose="020F0502020204030204" pitchFamily="34" charset="0"/>
+                <a:cs typeface="Calibri" panose="020F0502020204030204" pitchFamily="34" charset="0"/>
+              </a:rPr>
+              <a:t>Разработан интерфейс приложения </a:t>
+            </a:r>
+          </a:p>
+          <a:p>
+            <a:pPr algn="just">
+              <a:lnSpc>
+                <a:spcPct val="150000"/>
+              </a:lnSpc>
+            </a:pPr>
+            <a:r>
+              <a:rPr lang="ru-RU" sz="3000" dirty="0" smtClean="0">
+                <a:solidFill>
+                  <a:srgbClr val="34388D"/>
+                </a:solidFill>
+                <a:latin typeface="Calibri" panose="020F0502020204030204" pitchFamily="34" charset="0"/>
+                <a:cs typeface="Calibri" panose="020F0502020204030204" pitchFamily="34" charset="0"/>
+              </a:rPr>
+              <a:t>Сформированы отчеты</a:t>
+            </a:r>
+          </a:p>
           <a:p>
             <a:endParaRPr lang="ru-RU" dirty="0"/>
           </a:p>
@@ -5019,9 +5104,10 @@
                   <a:srgbClr val="34388D"/>
                 </a:solidFill>
                 <a:latin typeface="Arial" pitchFamily="34" charset="0"/>
+                <a:ea typeface="Verdana" pitchFamily="34" charset="0"/>
                 <a:cs typeface="Arial" pitchFamily="34" charset="0"/>
               </a:rPr>
-              <a:t>Программное обеспечение</a:t>
+              <a:t>Заключение</a:t>
             </a:r>
             <a:endParaRPr lang="ru-RU" sz="3200" dirty="0">
               <a:solidFill>
@@ -5071,7 +5157,7 @@
       </p:cxnSp>
       <p:sp>
         <p:nvSpPr>
-          <p:cNvPr id="8" name="Номер слайда 7"/>
+          <p:cNvPr id="16" name="Номер слайда 15"/>
           <p:cNvSpPr>
             <a:spLocks noGrp="1"/>
           </p:cNvSpPr>
@@ -5079,17 +5165,34 @@
             <p:ph type="sldNum" sz="quarter" idx="12"/>
           </p:nvPr>
         </p:nvSpPr>
-        <p:spPr/>
+        <p:spPr>
+          <a:xfrm>
+            <a:off x="6804248" y="6492875"/>
+            <a:ext cx="2133600" cy="365125"/>
+          </a:xfrm>
+        </p:spPr>
         <p:txBody>
           <a:bodyPr/>
           <a:lstStyle/>
           <a:p>
             <a:fld id="{725C68B6-61C2-468F-89AB-4B9F7531AA68}" type="slidenum">
-              <a:rPr lang="ru-RU" smtClean="0"/>
+              <a:rPr lang="ru-RU" sz="1800" smtClean="0">
+                <a:solidFill>
+                  <a:schemeClr val="bg1"/>
+                </a:solidFill>
+                <a:latin typeface="Arial" pitchFamily="34" charset="0"/>
+                <a:cs typeface="Arial" pitchFamily="34" charset="0"/>
+              </a:rPr>
               <a:pPr/>
               <a:t>13</a:t>
             </a:fld>
-            <a:endParaRPr lang="ru-RU"/>
+            <a:endParaRPr lang="ru-RU" sz="1800" dirty="0">
+              <a:solidFill>
+                <a:schemeClr val="bg1"/>
+              </a:solidFill>
+              <a:latin typeface="Arial" pitchFamily="34" charset="0"/>
+              <a:cs typeface="Arial" pitchFamily="34" charset="0"/>
+            </a:endParaRPr>
           </a:p>
         </p:txBody>
       </p:sp>
@@ -5109,502 +5212,6 @@
 </file>
 
 <file path=ppt/slides/slide14.xml><?xml version="1.0" encoding="utf-8"?>
-<p:sld xmlns:a="http://schemas.openxmlformats.org/drawingml/2006/main" xmlns:r="http://schemas.openxmlformats.org/officeDocument/2006/relationships" xmlns:p="http://schemas.openxmlformats.org/presentationml/2006/main">
-  <p:cSld>
-    <p:spTree>
-      <p:nvGrpSpPr>
-        <p:cNvPr id="1" name=""/>
-        <p:cNvGrpSpPr/>
-        <p:nvPr/>
-      </p:nvGrpSpPr>
-      <p:grpSpPr>
-        <a:xfrm>
-          <a:off x="0" y="0"/>
-          <a:ext cx="0" cy="0"/>
-          <a:chOff x="0" y="0"/>
-          <a:chExt cx="0" cy="0"/>
-        </a:xfrm>
-      </p:grpSpPr>
-      <p:sp>
-        <p:nvSpPr>
-          <p:cNvPr id="4" name="Прямоугольник 3"/>
-          <p:cNvSpPr/>
-          <p:nvPr/>
-        </p:nvSpPr>
-        <p:spPr>
-          <a:xfrm>
-            <a:off x="0" y="0"/>
-            <a:ext cx="9144000" cy="332656"/>
-          </a:xfrm>
-          <a:prstGeom prst="rect">
-            <a:avLst/>
-          </a:prstGeom>
-          <a:solidFill>
-            <a:srgbClr val="34388D"/>
-          </a:solidFill>
-        </p:spPr>
-        <p:style>
-          <a:lnRef idx="2">
-            <a:schemeClr val="accent1">
-              <a:shade val="50000"/>
-            </a:schemeClr>
-          </a:lnRef>
-          <a:fillRef idx="1">
-            <a:schemeClr val="accent1"/>
-          </a:fillRef>
-          <a:effectRef idx="0">
-            <a:schemeClr val="accent1"/>
-          </a:effectRef>
-          <a:fontRef idx="minor">
-            <a:schemeClr val="lt1"/>
-          </a:fontRef>
-        </p:style>
-        <p:txBody>
-          <a:bodyPr rtlCol="0" anchor="ctr"/>
-          <a:lstStyle/>
-          <a:p>
-            <a:pPr algn="ctr"/>
-            <a:endParaRPr lang="ru-RU" dirty="0"/>
-          </a:p>
-        </p:txBody>
-      </p:sp>
-      <p:sp>
-        <p:nvSpPr>
-          <p:cNvPr id="5" name="Прямоугольник 4"/>
-          <p:cNvSpPr/>
-          <p:nvPr/>
-        </p:nvSpPr>
-        <p:spPr>
-          <a:xfrm>
-            <a:off x="0" y="6525344"/>
-            <a:ext cx="9144000" cy="332656"/>
-          </a:xfrm>
-          <a:prstGeom prst="rect">
-            <a:avLst/>
-          </a:prstGeom>
-          <a:solidFill>
-            <a:srgbClr val="34388D"/>
-          </a:solidFill>
-        </p:spPr>
-        <p:style>
-          <a:lnRef idx="2">
-            <a:schemeClr val="accent1">
-              <a:shade val="50000"/>
-            </a:schemeClr>
-          </a:lnRef>
-          <a:fillRef idx="1">
-            <a:schemeClr val="accent1"/>
-          </a:fillRef>
-          <a:effectRef idx="0">
-            <a:schemeClr val="accent1"/>
-          </a:effectRef>
-          <a:fontRef idx="minor">
-            <a:schemeClr val="lt1"/>
-          </a:fontRef>
-        </p:style>
-        <p:txBody>
-          <a:bodyPr rtlCol="0" anchor="ctr"/>
-          <a:lstStyle/>
-          <a:p>
-            <a:pPr algn="ctr"/>
-            <a:endParaRPr lang="ru-RU" dirty="0"/>
-          </a:p>
-        </p:txBody>
-      </p:sp>
-      <p:sp>
-        <p:nvSpPr>
-          <p:cNvPr id="7" name="Содержимое 6"/>
-          <p:cNvSpPr>
-            <a:spLocks noGrp="1"/>
-          </p:cNvSpPr>
-          <p:nvPr>
-            <p:ph idx="1"/>
-          </p:nvPr>
-        </p:nvSpPr>
-        <p:spPr/>
-        <p:txBody>
-          <a:bodyPr/>
-          <a:lstStyle/>
-          <a:p>
-            <a:endParaRPr lang="ru-RU" dirty="0"/>
-          </a:p>
-        </p:txBody>
-      </p:sp>
-      <p:sp>
-        <p:nvSpPr>
-          <p:cNvPr id="12" name="Заголовок 5"/>
-          <p:cNvSpPr>
-            <a:spLocks noGrp="1"/>
-          </p:cNvSpPr>
-          <p:nvPr>
-            <p:ph type="title"/>
-          </p:nvPr>
-        </p:nvSpPr>
-        <p:spPr>
-          <a:xfrm>
-            <a:off x="457200" y="274638"/>
-            <a:ext cx="8229600" cy="1143000"/>
-          </a:xfrm>
-        </p:spPr>
-        <p:txBody>
-          <a:bodyPr>
-            <a:normAutofit/>
-          </a:bodyPr>
-          <a:lstStyle/>
-          <a:p>
-            <a:r>
-              <a:rPr lang="ru-RU" sz="3200" dirty="0" smtClean="0">
-                <a:solidFill>
-                  <a:srgbClr val="34388D"/>
-                </a:solidFill>
-                <a:latin typeface="Arial" pitchFamily="34" charset="0"/>
-                <a:cs typeface="Arial" pitchFamily="34" charset="0"/>
-              </a:rPr>
-              <a:t>Отчеты</a:t>
-            </a:r>
-            <a:endParaRPr lang="ru-RU" sz="3200" dirty="0">
-              <a:solidFill>
-                <a:srgbClr val="34388D"/>
-              </a:solidFill>
-              <a:latin typeface="Arial" pitchFamily="34" charset="0"/>
-              <a:ea typeface="Verdana" pitchFamily="34" charset="0"/>
-              <a:cs typeface="Arial" pitchFamily="34" charset="0"/>
-            </a:endParaRPr>
-          </a:p>
-        </p:txBody>
-      </p:sp>
-      <p:cxnSp>
-        <p:nvCxnSpPr>
-          <p:cNvPr id="13" name="Прямая соединительная линия 12"/>
-          <p:cNvCxnSpPr/>
-          <p:nvPr/>
-        </p:nvCxnSpPr>
-        <p:spPr>
-          <a:xfrm>
-            <a:off x="0" y="1340768"/>
-            <a:ext cx="9144000" cy="0"/>
-          </a:xfrm>
-          <a:prstGeom prst="line">
-            <a:avLst/>
-          </a:prstGeom>
-          <a:ln>
-            <a:solidFill>
-              <a:srgbClr val="34388D"/>
-            </a:solidFill>
-          </a:ln>
-        </p:spPr>
-        <p:style>
-          <a:lnRef idx="2">
-            <a:schemeClr val="accent1"/>
-          </a:lnRef>
-          <a:fillRef idx="0">
-            <a:schemeClr val="accent1"/>
-          </a:fillRef>
-          <a:effectRef idx="1">
-            <a:schemeClr val="accent1"/>
-          </a:effectRef>
-          <a:fontRef idx="minor">
-            <a:schemeClr val="tx1"/>
-          </a:fontRef>
-        </p:style>
-      </p:cxnSp>
-      <p:sp>
-        <p:nvSpPr>
-          <p:cNvPr id="8" name="Номер слайда 7"/>
-          <p:cNvSpPr>
-            <a:spLocks noGrp="1"/>
-          </p:cNvSpPr>
-          <p:nvPr>
-            <p:ph type="sldNum" sz="quarter" idx="12"/>
-          </p:nvPr>
-        </p:nvSpPr>
-        <p:spPr/>
-        <p:txBody>
-          <a:bodyPr/>
-          <a:lstStyle/>
-          <a:p>
-            <a:fld id="{725C68B6-61C2-468F-89AB-4B9F7531AA68}" type="slidenum">
-              <a:rPr lang="ru-RU" smtClean="0"/>
-              <a:pPr/>
-              <a:t>14</a:t>
-            </a:fld>
-            <a:endParaRPr lang="ru-RU"/>
-          </a:p>
-        </p:txBody>
-      </p:sp>
-    </p:spTree>
-  </p:cSld>
-  <p:clrMapOvr>
-    <a:masterClrMapping/>
-  </p:clrMapOvr>
-  <p:timing>
-    <p:tnLst>
-      <p:par>
-        <p:cTn id="1" dur="indefinite" restart="never" nodeType="tmRoot"/>
-      </p:par>
-    </p:tnLst>
-  </p:timing>
-</p:sld>
-</file>
-
-<file path=ppt/slides/slide15.xml><?xml version="1.0" encoding="utf-8"?>
-<p:sld xmlns:a="http://schemas.openxmlformats.org/drawingml/2006/main" xmlns:r="http://schemas.openxmlformats.org/officeDocument/2006/relationships" xmlns:p="http://schemas.openxmlformats.org/presentationml/2006/main">
-  <p:cSld>
-    <p:spTree>
-      <p:nvGrpSpPr>
-        <p:cNvPr id="1" name=""/>
-        <p:cNvGrpSpPr/>
-        <p:nvPr/>
-      </p:nvGrpSpPr>
-      <p:grpSpPr>
-        <a:xfrm>
-          <a:off x="0" y="0"/>
-          <a:ext cx="0" cy="0"/>
-          <a:chOff x="0" y="0"/>
-          <a:chExt cx="0" cy="0"/>
-        </a:xfrm>
-      </p:grpSpPr>
-      <p:sp>
-        <p:nvSpPr>
-          <p:cNvPr id="4" name="Прямоугольник 3"/>
-          <p:cNvSpPr/>
-          <p:nvPr/>
-        </p:nvSpPr>
-        <p:spPr>
-          <a:xfrm>
-            <a:off x="0" y="0"/>
-            <a:ext cx="9144000" cy="332656"/>
-          </a:xfrm>
-          <a:prstGeom prst="rect">
-            <a:avLst/>
-          </a:prstGeom>
-          <a:solidFill>
-            <a:srgbClr val="34388D"/>
-          </a:solidFill>
-        </p:spPr>
-        <p:style>
-          <a:lnRef idx="2">
-            <a:schemeClr val="accent1">
-              <a:shade val="50000"/>
-            </a:schemeClr>
-          </a:lnRef>
-          <a:fillRef idx="1">
-            <a:schemeClr val="accent1"/>
-          </a:fillRef>
-          <a:effectRef idx="0">
-            <a:schemeClr val="accent1"/>
-          </a:effectRef>
-          <a:fontRef idx="minor">
-            <a:schemeClr val="lt1"/>
-          </a:fontRef>
-        </p:style>
-        <p:txBody>
-          <a:bodyPr rtlCol="0" anchor="ctr"/>
-          <a:lstStyle/>
-          <a:p>
-            <a:pPr algn="ctr"/>
-            <a:endParaRPr lang="ru-RU" dirty="0"/>
-          </a:p>
-        </p:txBody>
-      </p:sp>
-      <p:sp>
-        <p:nvSpPr>
-          <p:cNvPr id="5" name="Прямоугольник 4"/>
-          <p:cNvSpPr/>
-          <p:nvPr/>
-        </p:nvSpPr>
-        <p:spPr>
-          <a:xfrm>
-            <a:off x="0" y="6525344"/>
-            <a:ext cx="9144000" cy="332656"/>
-          </a:xfrm>
-          <a:prstGeom prst="rect">
-            <a:avLst/>
-          </a:prstGeom>
-          <a:solidFill>
-            <a:srgbClr val="34388D"/>
-          </a:solidFill>
-        </p:spPr>
-        <p:style>
-          <a:lnRef idx="2">
-            <a:schemeClr val="accent1">
-              <a:shade val="50000"/>
-            </a:schemeClr>
-          </a:lnRef>
-          <a:fillRef idx="1">
-            <a:schemeClr val="accent1"/>
-          </a:fillRef>
-          <a:effectRef idx="0">
-            <a:schemeClr val="accent1"/>
-          </a:effectRef>
-          <a:fontRef idx="minor">
-            <a:schemeClr val="lt1"/>
-          </a:fontRef>
-        </p:style>
-        <p:txBody>
-          <a:bodyPr rtlCol="0" anchor="ctr"/>
-          <a:lstStyle/>
-          <a:p>
-            <a:pPr algn="ctr"/>
-            <a:endParaRPr lang="ru-RU" dirty="0"/>
-          </a:p>
-        </p:txBody>
-      </p:sp>
-      <p:sp>
-        <p:nvSpPr>
-          <p:cNvPr id="7" name="Содержимое 6"/>
-          <p:cNvSpPr>
-            <a:spLocks noGrp="1"/>
-          </p:cNvSpPr>
-          <p:nvPr>
-            <p:ph idx="1"/>
-          </p:nvPr>
-        </p:nvSpPr>
-        <p:spPr/>
-        <p:txBody>
-          <a:bodyPr/>
-          <a:lstStyle/>
-          <a:p>
-            <a:endParaRPr lang="ru-RU"/>
-          </a:p>
-        </p:txBody>
-      </p:sp>
-      <p:sp>
-        <p:nvSpPr>
-          <p:cNvPr id="12" name="Заголовок 5"/>
-          <p:cNvSpPr>
-            <a:spLocks noGrp="1"/>
-          </p:cNvSpPr>
-          <p:nvPr>
-            <p:ph type="title"/>
-          </p:nvPr>
-        </p:nvSpPr>
-        <p:spPr>
-          <a:xfrm>
-            <a:off x="457200" y="274638"/>
-            <a:ext cx="8229600" cy="1143000"/>
-          </a:xfrm>
-        </p:spPr>
-        <p:txBody>
-          <a:bodyPr>
-            <a:normAutofit/>
-          </a:bodyPr>
-          <a:lstStyle/>
-          <a:p>
-            <a:r>
-              <a:rPr lang="ru-RU" sz="3200" dirty="0" smtClean="0">
-                <a:solidFill>
-                  <a:srgbClr val="34388D"/>
-                </a:solidFill>
-                <a:latin typeface="Arial" pitchFamily="34" charset="0"/>
-                <a:ea typeface="Verdana" pitchFamily="34" charset="0"/>
-                <a:cs typeface="Arial" pitchFamily="34" charset="0"/>
-              </a:rPr>
-              <a:t>Заключение</a:t>
-            </a:r>
-            <a:endParaRPr lang="ru-RU" sz="3200" dirty="0">
-              <a:solidFill>
-                <a:srgbClr val="34388D"/>
-              </a:solidFill>
-              <a:latin typeface="Arial" pitchFamily="34" charset="0"/>
-              <a:ea typeface="Verdana" pitchFamily="34" charset="0"/>
-              <a:cs typeface="Arial" pitchFamily="34" charset="0"/>
-            </a:endParaRPr>
-          </a:p>
-        </p:txBody>
-      </p:sp>
-      <p:cxnSp>
-        <p:nvCxnSpPr>
-          <p:cNvPr id="13" name="Прямая соединительная линия 12"/>
-          <p:cNvCxnSpPr/>
-          <p:nvPr/>
-        </p:nvCxnSpPr>
-        <p:spPr>
-          <a:xfrm>
-            <a:off x="0" y="1340768"/>
-            <a:ext cx="9144000" cy="0"/>
-          </a:xfrm>
-          <a:prstGeom prst="line">
-            <a:avLst/>
-          </a:prstGeom>
-          <a:ln>
-            <a:solidFill>
-              <a:srgbClr val="34388D"/>
-            </a:solidFill>
-          </a:ln>
-        </p:spPr>
-        <p:style>
-          <a:lnRef idx="2">
-            <a:schemeClr val="accent1"/>
-          </a:lnRef>
-          <a:fillRef idx="0">
-            <a:schemeClr val="accent1"/>
-          </a:fillRef>
-          <a:effectRef idx="1">
-            <a:schemeClr val="accent1"/>
-          </a:effectRef>
-          <a:fontRef idx="minor">
-            <a:schemeClr val="tx1"/>
-          </a:fontRef>
-        </p:style>
-      </p:cxnSp>
-      <p:sp>
-        <p:nvSpPr>
-          <p:cNvPr id="16" name="Номер слайда 15"/>
-          <p:cNvSpPr>
-            <a:spLocks noGrp="1"/>
-          </p:cNvSpPr>
-          <p:nvPr>
-            <p:ph type="sldNum" sz="quarter" idx="12"/>
-          </p:nvPr>
-        </p:nvSpPr>
-        <p:spPr>
-          <a:xfrm>
-            <a:off x="6804248" y="6492875"/>
-            <a:ext cx="2133600" cy="365125"/>
-          </a:xfrm>
-        </p:spPr>
-        <p:txBody>
-          <a:bodyPr/>
-          <a:lstStyle/>
-          <a:p>
-            <a:fld id="{725C68B6-61C2-468F-89AB-4B9F7531AA68}" type="slidenum">
-              <a:rPr lang="ru-RU" sz="1800" smtClean="0">
-                <a:solidFill>
-                  <a:schemeClr val="bg1"/>
-                </a:solidFill>
-                <a:latin typeface="Arial" pitchFamily="34" charset="0"/>
-                <a:cs typeface="Arial" pitchFamily="34" charset="0"/>
-              </a:rPr>
-              <a:pPr/>
-              <a:t>15</a:t>
-            </a:fld>
-            <a:endParaRPr lang="ru-RU" sz="1800" dirty="0">
-              <a:solidFill>
-                <a:schemeClr val="bg1"/>
-              </a:solidFill>
-              <a:latin typeface="Arial" pitchFamily="34" charset="0"/>
-              <a:cs typeface="Arial" pitchFamily="34" charset="0"/>
-            </a:endParaRPr>
-          </a:p>
-        </p:txBody>
-      </p:sp>
-    </p:spTree>
-  </p:cSld>
-  <p:clrMapOvr>
-    <a:masterClrMapping/>
-  </p:clrMapOvr>
-  <p:timing>
-    <p:tnLst>
-      <p:par>
-        <p:cTn id="1" dur="indefinite" restart="never" nodeType="tmRoot"/>
-      </p:par>
-    </p:tnLst>
-  </p:timing>
-</p:sld>
-</file>
-
-<file path=ppt/slides/slide16.xml><?xml version="1.0" encoding="utf-8"?>
 <p:sld xmlns:a="http://schemas.openxmlformats.org/drawingml/2006/main" xmlns:r="http://schemas.openxmlformats.org/officeDocument/2006/relationships" xmlns:p="http://schemas.openxmlformats.org/presentationml/2006/main">
   <p:cSld>
     <p:spTree>
@@ -6007,6 +5614,246 @@
           </a:p>
         </p:txBody>
       </p:sp>
+      <p:sp>
+        <p:nvSpPr>
+          <p:cNvPr id="10" name="Содержимое 2"/>
+          <p:cNvSpPr txBox="1">
+            <a:spLocks/>
+          </p:cNvSpPr>
+          <p:nvPr/>
+        </p:nvSpPr>
+        <p:spPr>
+          <a:xfrm>
+            <a:off x="609600" y="1752600"/>
+            <a:ext cx="8229600" cy="4525963"/>
+          </a:xfrm>
+          <a:prstGeom prst="rect">
+            <a:avLst/>
+          </a:prstGeom>
+        </p:spPr>
+        <p:txBody>
+          <a:bodyPr vert="horz" lIns="91440" tIns="45720" rIns="91440" bIns="45720" rtlCol="0">
+            <a:normAutofit/>
+          </a:bodyPr>
+          <a:lstStyle/>
+          <a:p>
+            <a:pPr marL="342900" marR="0" lvl="0" indent="-342900" algn="l" defTabSz="914400" rtl="0" eaLnBrk="1" fontAlgn="auto" latinLnBrk="0" hangingPunct="1">
+              <a:lnSpc>
+                <a:spcPct val="100000"/>
+              </a:lnSpc>
+              <a:spcBef>
+                <a:spcPct val="20000"/>
+              </a:spcBef>
+              <a:spcAft>
+                <a:spcPts val="0"/>
+              </a:spcAft>
+              <a:buClrTx/>
+              <a:buSzTx/>
+              <a:buFont typeface="Arial" pitchFamily="34" charset="0"/>
+              <a:buChar char="•"/>
+              <a:tabLst/>
+              <a:defRPr/>
+            </a:pPr>
+            <a:r>
+              <a:rPr lang="ru-RU" sz="2800" dirty="0" smtClean="0">
+                <a:solidFill>
+                  <a:srgbClr val="34388D"/>
+                </a:solidFill>
+              </a:rPr>
+              <a:t>Схемы</a:t>
+            </a:r>
+            <a:r>
+              <a:rPr kumimoji="0" lang="ru-RU" sz="2800" b="0" i="0" u="none" strike="noStrike" kern="1200" cap="none" spc="0" normalizeH="0" baseline="0" noProof="0" dirty="0" smtClean="0">
+                <a:ln>
+                  <a:noFill/>
+                </a:ln>
+                <a:solidFill>
+                  <a:srgbClr val="34388D"/>
+                </a:solidFill>
+                <a:effectLst/>
+                <a:uLnTx/>
+                <a:uFillTx/>
+                <a:latin typeface="+mn-lt"/>
+                <a:ea typeface="+mn-ea"/>
+                <a:cs typeface="+mn-cs"/>
+              </a:rPr>
+              <a:t> </a:t>
+            </a:r>
+            <a:r>
+              <a:rPr kumimoji="0" lang="ru-RU" sz="2800" b="0" i="0" u="none" strike="noStrike" kern="1200" cap="none" spc="0" normalizeH="0" baseline="0" noProof="0" dirty="0" smtClean="0">
+                <a:ln>
+                  <a:noFill/>
+                </a:ln>
+                <a:solidFill>
+                  <a:srgbClr val="34388D"/>
+                </a:solidFill>
+                <a:effectLst/>
+                <a:uLnTx/>
+                <a:uFillTx/>
+                <a:latin typeface="+mn-lt"/>
+                <a:ea typeface="+mn-ea"/>
+                <a:cs typeface="+mn-cs"/>
+              </a:rPr>
+              <a:t>тепловой сети хранятся в бумажном формате.</a:t>
+            </a:r>
+          </a:p>
+          <a:p>
+            <a:pPr marL="342900" marR="0" lvl="0" indent="-342900" algn="l" defTabSz="914400" rtl="0" eaLnBrk="1" fontAlgn="auto" latinLnBrk="0" hangingPunct="1">
+              <a:lnSpc>
+                <a:spcPct val="100000"/>
+              </a:lnSpc>
+              <a:spcBef>
+                <a:spcPct val="20000"/>
+              </a:spcBef>
+              <a:spcAft>
+                <a:spcPts val="0"/>
+              </a:spcAft>
+              <a:buClrTx/>
+              <a:buSzTx/>
+              <a:buFont typeface="Arial" pitchFamily="34" charset="0"/>
+              <a:buChar char="•"/>
+              <a:tabLst/>
+              <a:defRPr/>
+            </a:pPr>
+            <a:r>
+              <a:rPr lang="ru-RU" sz="2800" dirty="0" smtClean="0">
+                <a:solidFill>
+                  <a:srgbClr val="34388D"/>
+                </a:solidFill>
+              </a:rPr>
+              <a:t>Нет</a:t>
+            </a:r>
+            <a:r>
+              <a:rPr kumimoji="0" lang="ru-RU" sz="2800" b="0" i="0" u="none" strike="noStrike" kern="1200" cap="none" spc="0" normalizeH="0" baseline="0" noProof="0" dirty="0" smtClean="0">
+                <a:ln>
+                  <a:noFill/>
+                </a:ln>
+                <a:solidFill>
+                  <a:srgbClr val="34388D"/>
+                </a:solidFill>
+                <a:effectLst/>
+                <a:uLnTx/>
+                <a:uFillTx/>
+                <a:latin typeface="+mn-lt"/>
+                <a:ea typeface="+mn-ea"/>
+                <a:cs typeface="+mn-cs"/>
+              </a:rPr>
+              <a:t> </a:t>
+            </a:r>
+            <a:r>
+              <a:rPr kumimoji="0" lang="ru-RU" sz="2800" b="0" i="0" u="none" strike="noStrike" kern="1200" cap="none" spc="0" normalizeH="0" baseline="0" noProof="0" dirty="0" smtClean="0">
+                <a:ln>
+                  <a:noFill/>
+                </a:ln>
+                <a:solidFill>
+                  <a:srgbClr val="34388D"/>
+                </a:solidFill>
+                <a:effectLst/>
+                <a:uLnTx/>
+                <a:uFillTx/>
+                <a:latin typeface="+mn-lt"/>
+                <a:ea typeface="+mn-ea"/>
+                <a:cs typeface="+mn-cs"/>
+              </a:rPr>
+              <a:t>единого программного обеспечения, в котором должны оформляться схемы тепловой сети.</a:t>
+            </a:r>
+          </a:p>
+          <a:p>
+            <a:pPr marL="342900" marR="0" lvl="0" indent="-342900" algn="l" defTabSz="914400" rtl="0" eaLnBrk="1" fontAlgn="auto" latinLnBrk="0" hangingPunct="1">
+              <a:lnSpc>
+                <a:spcPct val="100000"/>
+              </a:lnSpc>
+              <a:spcBef>
+                <a:spcPct val="20000"/>
+              </a:spcBef>
+              <a:spcAft>
+                <a:spcPts val="0"/>
+              </a:spcAft>
+              <a:buClrTx/>
+              <a:buSzTx/>
+              <a:buFont typeface="Arial" pitchFamily="34" charset="0"/>
+              <a:buChar char="•"/>
+              <a:tabLst/>
+              <a:defRPr/>
+            </a:pPr>
+            <a:r>
+              <a:rPr lang="ru-RU" sz="2800" dirty="0" smtClean="0">
+                <a:solidFill>
+                  <a:srgbClr val="34388D"/>
+                </a:solidFill>
+              </a:rPr>
+              <a:t>Использование</a:t>
+            </a:r>
+            <a:r>
+              <a:rPr kumimoji="0" lang="ru-RU" sz="2800" b="0" i="0" u="none" strike="noStrike" kern="1200" cap="none" spc="0" normalizeH="0" baseline="0" noProof="0" dirty="0" smtClean="0">
+                <a:ln>
+                  <a:noFill/>
+                </a:ln>
+                <a:solidFill>
+                  <a:srgbClr val="34388D"/>
+                </a:solidFill>
+                <a:effectLst/>
+                <a:uLnTx/>
+                <a:uFillTx/>
+                <a:latin typeface="+mn-lt"/>
+                <a:ea typeface="+mn-ea"/>
+                <a:cs typeface="+mn-cs"/>
+              </a:rPr>
+              <a:t> </a:t>
+            </a:r>
+            <a:r>
+              <a:rPr kumimoji="0" lang="ru-RU" sz="2800" b="0" i="0" u="none" strike="noStrike" kern="1200" cap="none" spc="0" normalizeH="0" baseline="0" noProof="0" dirty="0" smtClean="0">
+                <a:ln>
+                  <a:noFill/>
+                </a:ln>
+                <a:solidFill>
+                  <a:srgbClr val="34388D"/>
+                </a:solidFill>
+                <a:effectLst/>
+                <a:uLnTx/>
+                <a:uFillTx/>
+                <a:latin typeface="+mn-lt"/>
+                <a:ea typeface="+mn-ea"/>
+                <a:cs typeface="+mn-cs"/>
+              </a:rPr>
+              <a:t>не специализированного программного обеспечения ведет к появлению ошибок.</a:t>
+            </a:r>
+          </a:p>
+          <a:p>
+            <a:pPr marL="342900" marR="0" lvl="0" indent="-342900" algn="l" defTabSz="914400" rtl="0" eaLnBrk="1" fontAlgn="auto" latinLnBrk="0" hangingPunct="1">
+              <a:lnSpc>
+                <a:spcPct val="100000"/>
+              </a:lnSpc>
+              <a:spcBef>
+                <a:spcPct val="20000"/>
+              </a:spcBef>
+              <a:spcAft>
+                <a:spcPts val="0"/>
+              </a:spcAft>
+              <a:buClrTx/>
+              <a:buSzTx/>
+              <a:buFont typeface="Arial" pitchFamily="34" charset="0"/>
+              <a:buChar char="•"/>
+              <a:tabLst/>
+              <a:defRPr/>
+            </a:pPr>
+            <a:endParaRPr kumimoji="0" lang="ru-RU" sz="3200" b="0" i="0" u="none" strike="noStrike" kern="1200" cap="none" spc="0" normalizeH="0" baseline="0" noProof="0" dirty="0">
+              <a:ln>
+                <a:noFill/>
+              </a:ln>
+              <a:solidFill>
+                <a:schemeClr val="tx1"/>
+              </a:solidFill>
+              <a:effectLst/>
+              <a:uLnTx/>
+              <a:uFillTx/>
+              <a:latin typeface="+mn-lt"/>
+              <a:ea typeface="+mn-ea"/>
+              <a:cs typeface="+mn-cs"/>
+            </a:endParaRPr>
+          </a:p>
+        </p:txBody>
+      </p:sp>
     </p:spTree>
   </p:cSld>
   <p:clrMapOvr>
@@ -6140,6 +5987,25 @@
           <a:bodyPr/>
           <a:lstStyle/>
           <a:p>
+            <a:pPr marL="0" indent="342900" algn="just">
+              <a:lnSpc>
+                <a:spcPct val="150000"/>
+              </a:lnSpc>
+              <a:spcBef>
+                <a:spcPts val="0"/>
+              </a:spcBef>
+              <a:buNone/>
+            </a:pPr>
+            <a:r>
+              <a:rPr lang="ru-RU" sz="2800" dirty="0" smtClean="0">
+                <a:solidFill>
+                  <a:srgbClr val="34388D"/>
+                </a:solidFill>
+              </a:rPr>
+              <a:t>	Целью работы является сокращение временных и трудовых затрат на проектирования схемы тепловых сетей и инженерных расчетов. </a:t>
+            </a:r>
+          </a:p>
+          <a:p>
             <a:endParaRPr lang="ru-RU" dirty="0"/>
           </a:p>
         </p:txBody>
@@ -6413,7 +6279,7 @@
                 <a:ea typeface="Verdana" pitchFamily="34" charset="0"/>
                 <a:cs typeface="Arial" pitchFamily="34" charset="0"/>
               </a:rPr>
-              <a:t>Диаграмма вариантов использования</a:t>
+              <a:t>Роли</a:t>
             </a:r>
             <a:endParaRPr lang="ru-RU" sz="3200" dirty="0">
               <a:solidFill>
@@ -6677,7 +6543,7 @@
                 <a:ea typeface="Verdana" pitchFamily="34" charset="0"/>
                 <a:cs typeface="Arial" pitchFamily="34" charset="0"/>
               </a:rPr>
-              <a:t>Диаграмма вариантов использования</a:t>
+              <a:t>Роли</a:t>
             </a:r>
             <a:endParaRPr lang="ru-RU" sz="3200" dirty="0">
               <a:solidFill>
@@ -6910,29 +6776,6 @@
           </a:p>
         </p:txBody>
       </p:sp>
-      <p:pic>
-        <p:nvPicPr>
-          <p:cNvPr id="9" name="Содержимое 8" descr="BPMN.png"/>
-          <p:cNvPicPr>
-            <a:picLocks noGrp="1" noChangeAspect="1"/>
-          </p:cNvPicPr>
-          <p:nvPr>
-            <p:ph idx="1"/>
-          </p:nvPr>
-        </p:nvPicPr>
-        <p:blipFill>
-          <a:blip r:embed="rId2" cstate="print"/>
-          <a:stretch>
-            <a:fillRect/>
-          </a:stretch>
-        </p:blipFill>
-        <p:spPr>
-          <a:xfrm>
-            <a:off x="457200" y="2087432"/>
-            <a:ext cx="8229600" cy="3551499"/>
-          </a:xfrm>
-        </p:spPr>
-      </p:pic>
       <p:sp>
         <p:nvSpPr>
           <p:cNvPr id="12" name="Заголовок 5"/>
@@ -6955,6 +6798,17 @@
           </a:bodyPr>
           <a:lstStyle/>
           <a:p>
+            <a:r>
+              <a:rPr lang="ru-RU" sz="3200" dirty="0" smtClean="0">
+                <a:solidFill>
+                  <a:srgbClr val="34388D"/>
+                </a:solidFill>
+                <a:latin typeface="Arial" pitchFamily="34" charset="0"/>
+                <a:ea typeface="Verdana" pitchFamily="34" charset="0"/>
+                <a:cs typeface="Arial" pitchFamily="34" charset="0"/>
+              </a:rPr>
+              <a:t>Диаграмма бизнес-процессов в нотации </a:t>
+            </a:r>
             <a:r>
               <a:rPr lang="en-GB" sz="3200" dirty="0" smtClean="0">
                 <a:solidFill>
@@ -7036,6 +6890,51 @@
           </a:p>
         </p:txBody>
       </p:sp>
+      <p:sp>
+        <p:nvSpPr>
+          <p:cNvPr id="10" name="Содержимое 9"/>
+          <p:cNvSpPr>
+            <a:spLocks noGrp="1"/>
+          </p:cNvSpPr>
+          <p:nvPr>
+            <p:ph idx="1"/>
+          </p:nvPr>
+        </p:nvSpPr>
+        <p:spPr/>
+        <p:txBody>
+          <a:bodyPr/>
+          <a:lstStyle/>
+          <a:p>
+            <a:endParaRPr lang="ru-RU"/>
+          </a:p>
+        </p:txBody>
+      </p:sp>
+      <p:pic>
+        <p:nvPicPr>
+          <p:cNvPr id="1026" name="Picture 2" descr="C:\Users\Игорь\Desktop\EnergyThermo\Диплом\Создать Документ Microsoft Visio.png"/>
+          <p:cNvPicPr>
+            <a:picLocks noChangeAspect="1" noChangeArrowheads="1"/>
+          </p:cNvPicPr>
+          <p:nvPr/>
+        </p:nvPicPr>
+        <p:blipFill>
+          <a:blip r:embed="rId2" cstate="print"/>
+          <a:srcRect b="5090"/>
+          <a:stretch>
+            <a:fillRect/>
+          </a:stretch>
+        </p:blipFill>
+        <p:spPr bwMode="auto">
+          <a:xfrm>
+            <a:off x="0" y="1340768"/>
+            <a:ext cx="9144000" cy="5132695"/>
+          </a:xfrm>
+          <a:prstGeom prst="rect">
+            <a:avLst/>
+          </a:prstGeom>
+          <a:noFill/>
+        </p:spPr>
+      </p:pic>
     </p:spTree>
   </p:cSld>
   <p:clrMapOvr>
@@ -7070,13 +6969,13 @@
       </p:grpSpPr>
       <p:sp>
         <p:nvSpPr>
-          <p:cNvPr id="4" name="Прямоугольник 3"/>
+          <p:cNvPr id="11" name="Прямоугольник 10"/>
           <p:cNvSpPr/>
           <p:nvPr/>
         </p:nvSpPr>
         <p:spPr>
           <a:xfrm>
-            <a:off x="0" y="0"/>
+            <a:off x="0" y="6525344"/>
             <a:ext cx="9144000" cy="332656"/>
           </a:xfrm>
           <a:prstGeom prst="rect">
@@ -7113,13 +7012,13 @@
       </p:sp>
       <p:sp>
         <p:nvSpPr>
-          <p:cNvPr id="5" name="Прямоугольник 4"/>
+          <p:cNvPr id="4" name="Прямоугольник 3"/>
           <p:cNvSpPr/>
           <p:nvPr/>
         </p:nvSpPr>
         <p:spPr>
           <a:xfrm>
-            <a:off x="0" y="6525344"/>
+            <a:off x="0" y="0"/>
             <a:ext cx="9144000" cy="332656"/>
           </a:xfrm>
           <a:prstGeom prst="rect">
@@ -7156,19 +7055,43 @@
       </p:sp>
       <p:sp>
         <p:nvSpPr>
-          <p:cNvPr id="7" name="Содержимое 6"/>
-          <p:cNvSpPr>
-            <a:spLocks noGrp="1"/>
-          </p:cNvSpPr>
-          <p:nvPr>
-            <p:ph idx="1"/>
-          </p:nvPr>
-        </p:nvSpPr>
-        <p:spPr/>
-        <p:txBody>
-          <a:bodyPr/>
-          <a:lstStyle/>
-          <a:p>
+          <p:cNvPr id="5" name="Прямоугольник 4"/>
+          <p:cNvSpPr/>
+          <p:nvPr/>
+        </p:nvSpPr>
+        <p:spPr>
+          <a:xfrm flipV="1">
+            <a:off x="0" y="6857999"/>
+            <a:ext cx="9144000" cy="45719"/>
+          </a:xfrm>
+          <a:prstGeom prst="rect">
+            <a:avLst/>
+          </a:prstGeom>
+          <a:solidFill>
+            <a:srgbClr val="34388D"/>
+          </a:solidFill>
+        </p:spPr>
+        <p:style>
+          <a:lnRef idx="2">
+            <a:schemeClr val="accent1">
+              <a:shade val="50000"/>
+            </a:schemeClr>
+          </a:lnRef>
+          <a:fillRef idx="1">
+            <a:schemeClr val="accent1"/>
+          </a:fillRef>
+          <a:effectRef idx="0">
+            <a:schemeClr val="accent1"/>
+          </a:effectRef>
+          <a:fontRef idx="minor">
+            <a:schemeClr val="lt1"/>
+          </a:fontRef>
+        </p:style>
+        <p:txBody>
+          <a:bodyPr rtlCol="0" anchor="ctr"/>
+          <a:lstStyle/>
+          <a:p>
+            <a:pPr algn="ctr"/>
             <a:endParaRPr lang="ru-RU" dirty="0"/>
           </a:p>
         </p:txBody>
@@ -7185,7 +7108,7 @@
         </p:nvSpPr>
         <p:spPr>
           <a:xfrm>
-            <a:off x="457200" y="274638"/>
+            <a:off x="395536" y="0"/>
             <a:ext cx="8229600" cy="1143000"/>
           </a:xfrm>
         </p:spPr>
@@ -7195,16 +7118,6 @@
           </a:bodyPr>
           <a:lstStyle/>
           <a:p>
-            <a:r>
-              <a:rPr lang="en-GB" sz="3200" dirty="0" smtClean="0">
-                <a:solidFill>
-                  <a:srgbClr val="34388D"/>
-                </a:solidFill>
-                <a:latin typeface="Arial" pitchFamily="34" charset="0"/>
-                <a:cs typeface="Arial" pitchFamily="34" charset="0"/>
-              </a:rPr>
-              <a:t>UML-</a:t>
-            </a:r>
             <a:r>
               <a:rPr lang="ru-RU" sz="3200" dirty="0" smtClean="0">
                 <a:solidFill>
@@ -7213,7 +7126,7 @@
                 <a:latin typeface="Arial" pitchFamily="34" charset="0"/>
                 <a:cs typeface="Arial" pitchFamily="34" charset="0"/>
               </a:rPr>
-              <a:t>диаграммам вариантов использования</a:t>
+              <a:t>Логическая модель данных</a:t>
             </a:r>
             <a:endParaRPr lang="ru-RU" sz="3200" dirty="0">
               <a:solidFill>
@@ -7234,7 +7147,7 @@
         </p:nvCxnSpPr>
         <p:spPr>
           <a:xfrm>
-            <a:off x="0" y="1340768"/>
+            <a:off x="0" y="836712"/>
             <a:ext cx="9144000" cy="0"/>
           </a:xfrm>
           <a:prstGeom prst="line">
@@ -7263,7 +7176,7 @@
       </p:cxnSp>
       <p:sp>
         <p:nvSpPr>
-          <p:cNvPr id="9" name="Номер слайда 8"/>
+          <p:cNvPr id="8" name="Номер слайда 7"/>
           <p:cNvSpPr>
             <a:spLocks noGrp="1"/>
           </p:cNvSpPr>
@@ -7271,20 +7184,82 @@
             <p:ph type="sldNum" sz="quarter" idx="12"/>
           </p:nvPr>
         </p:nvSpPr>
-        <p:spPr/>
+        <p:spPr>
+          <a:xfrm>
+            <a:off x="6588224" y="6492875"/>
+            <a:ext cx="2133600" cy="365125"/>
+          </a:xfrm>
+        </p:spPr>
         <p:txBody>
           <a:bodyPr/>
           <a:lstStyle/>
           <a:p>
             <a:fld id="{725C68B6-61C2-468F-89AB-4B9F7531AA68}" type="slidenum">
-              <a:rPr lang="ru-RU" smtClean="0"/>
+              <a:rPr lang="ru-RU" sz="1800" smtClean="0">
+                <a:solidFill>
+                  <a:schemeClr val="bg1"/>
+                </a:solidFill>
+                <a:latin typeface="Arial" pitchFamily="34" charset="0"/>
+                <a:cs typeface="Arial" pitchFamily="34" charset="0"/>
+              </a:rPr>
               <a:pPr/>
               <a:t>7</a:t>
             </a:fld>
+            <a:endParaRPr lang="ru-RU" sz="1800" dirty="0">
+              <a:solidFill>
+                <a:schemeClr val="bg1"/>
+              </a:solidFill>
+              <a:latin typeface="Arial" pitchFamily="34" charset="0"/>
+              <a:cs typeface="Arial" pitchFamily="34" charset="0"/>
+            </a:endParaRPr>
+          </a:p>
+        </p:txBody>
+      </p:sp>
+      <p:sp>
+        <p:nvSpPr>
+          <p:cNvPr id="10" name="Содержимое 9"/>
+          <p:cNvSpPr>
+            <a:spLocks noGrp="1"/>
+          </p:cNvSpPr>
+          <p:nvPr>
+            <p:ph idx="1"/>
+          </p:nvPr>
+        </p:nvSpPr>
+        <p:spPr/>
+        <p:txBody>
+          <a:bodyPr/>
+          <a:lstStyle/>
+          <a:p>
             <a:endParaRPr lang="ru-RU"/>
           </a:p>
         </p:txBody>
       </p:sp>
+      <p:pic>
+        <p:nvPicPr>
+          <p:cNvPr id="2050" name="Picture 2" descr="C:\Users\Игорь\Desktop\EnergyThermo\Диплом\IDEF1x.png"/>
+          <p:cNvPicPr>
+            <a:picLocks noChangeAspect="1" noChangeArrowheads="1"/>
+          </p:cNvPicPr>
+          <p:nvPr/>
+        </p:nvPicPr>
+        <p:blipFill>
+          <a:blip r:embed="rId2" cstate="print"/>
+          <a:srcRect/>
+          <a:stretch>
+            <a:fillRect/>
+          </a:stretch>
+        </p:blipFill>
+        <p:spPr bwMode="auto">
+          <a:xfrm>
+            <a:off x="395536" y="908720"/>
+            <a:ext cx="8532440" cy="5551386"/>
+          </a:xfrm>
+          <a:prstGeom prst="rect">
+            <a:avLst/>
+          </a:prstGeom>
+          <a:noFill/>
+        </p:spPr>
+      </p:pic>
     </p:spTree>
   </p:cSld>
   <p:clrMapOvr>
@@ -7367,9 +7342,9 @@
           <p:nvPr/>
         </p:nvSpPr>
         <p:spPr>
-          <a:xfrm flipV="1">
-            <a:off x="0" y="6857999"/>
-            <a:ext cx="9144000" cy="45719"/>
+          <a:xfrm>
+            <a:off x="0" y="6525344"/>
+            <a:ext cx="9144000" cy="332656"/>
           </a:xfrm>
           <a:prstGeom prst="rect">
             <a:avLst/>
@@ -7403,29 +7378,25 @@
           </a:p>
         </p:txBody>
       </p:sp>
-      <p:pic>
-        <p:nvPicPr>
-          <p:cNvPr id="9" name="Содержимое 8" descr="IDEF1x.png"/>
-          <p:cNvPicPr>
-            <a:picLocks noGrp="1" noChangeAspect="1"/>
-          </p:cNvPicPr>
+      <p:sp>
+        <p:nvSpPr>
+          <p:cNvPr id="7" name="Содержимое 6"/>
+          <p:cNvSpPr>
+            <a:spLocks noGrp="1"/>
+          </p:cNvSpPr>
           <p:nvPr>
             <p:ph idx="1"/>
           </p:nvPr>
-        </p:nvPicPr>
-        <p:blipFill>
-          <a:blip r:embed="rId2" cstate="print"/>
-          <a:stretch>
-            <a:fillRect/>
-          </a:stretch>
-        </p:blipFill>
-        <p:spPr>
-          <a:xfrm>
-            <a:off x="0" y="908720"/>
-            <a:ext cx="9143999" cy="5949280"/>
-          </a:xfrm>
-        </p:spPr>
-      </p:pic>
+        </p:nvSpPr>
+        <p:spPr/>
+        <p:txBody>
+          <a:bodyPr/>
+          <a:lstStyle/>
+          <a:p>
+            <a:endParaRPr lang="ru-RU" dirty="0"/>
+          </a:p>
+        </p:txBody>
+      </p:sp>
       <p:sp>
         <p:nvSpPr>
           <p:cNvPr id="12" name="Заголовок 5"/>
@@ -7449,14 +7420,14 @@
           <a:lstStyle/>
           <a:p>
             <a:r>
-              <a:rPr lang="en-GB" sz="3200" dirty="0" smtClean="0">
+              <a:rPr lang="ru-RU" sz="3200" dirty="0" smtClean="0">
                 <a:solidFill>
                   <a:srgbClr val="34388D"/>
                 </a:solidFill>
                 <a:latin typeface="Arial" pitchFamily="34" charset="0"/>
                 <a:cs typeface="Arial" pitchFamily="34" charset="0"/>
               </a:rPr>
-              <a:t>IDEF1X</a:t>
+              <a:t>Физическая модель</a:t>
             </a:r>
             <a:endParaRPr lang="ru-RU" sz="3200" dirty="0">
               <a:solidFill>
@@ -7477,7 +7448,7 @@
         </p:nvCxnSpPr>
         <p:spPr>
           <a:xfrm>
-            <a:off x="0" y="836712"/>
+            <a:off x="0" y="908720"/>
             <a:ext cx="9144000" cy="0"/>
           </a:xfrm>
           <a:prstGeom prst="line">
@@ -7528,6 +7499,32 @@
           </a:p>
         </p:txBody>
       </p:sp>
+      <p:pic>
+        <p:nvPicPr>
+          <p:cNvPr id="3074" name="Picture 2" descr="C:\Users\Игорь\Desktop\EnergyThermo\Диплом\ФизМодель.jpg"/>
+          <p:cNvPicPr>
+            <a:picLocks noChangeAspect="1" noChangeArrowheads="1"/>
+          </p:cNvPicPr>
+          <p:nvPr/>
+        </p:nvPicPr>
+        <p:blipFill>
+          <a:blip r:embed="rId2" cstate="print"/>
+          <a:srcRect/>
+          <a:stretch>
+            <a:fillRect/>
+          </a:stretch>
+        </p:blipFill>
+        <p:spPr bwMode="auto">
+          <a:xfrm>
+            <a:off x="683568" y="1041784"/>
+            <a:ext cx="8064896" cy="5411552"/>
+          </a:xfrm>
+          <a:prstGeom prst="rect">
+            <a:avLst/>
+          </a:prstGeom>
+          <a:noFill/>
+        </p:spPr>
+      </p:pic>
     </p:spTree>
   </p:cSld>
   <p:clrMapOvr>
@@ -7661,6 +7658,118 @@
           <a:bodyPr/>
           <a:lstStyle/>
           <a:p>
+            <a:pPr>
+              <a:lnSpc>
+                <a:spcPct val="150000"/>
+              </a:lnSpc>
+            </a:pPr>
+            <a:r>
+              <a:rPr lang="ru-RU" dirty="0" smtClean="0">
+                <a:solidFill>
+                  <a:srgbClr val="34388D"/>
+                </a:solidFill>
+                <a:latin typeface="Calibri" panose="020F0502020204030204" pitchFamily="34" charset="0"/>
+                <a:cs typeface="Calibri" panose="020F0502020204030204" pitchFamily="34" charset="0"/>
+              </a:rPr>
+              <a:t>СУБД </a:t>
+            </a:r>
+            <a:r>
+              <a:rPr lang="en-US" dirty="0" err="1" smtClean="0">
+                <a:solidFill>
+                  <a:srgbClr val="34388D"/>
+                </a:solidFill>
+                <a:latin typeface="Calibri" panose="020F0502020204030204" pitchFamily="34" charset="0"/>
+                <a:cs typeface="Calibri" panose="020F0502020204030204" pitchFamily="34" charset="0"/>
+              </a:rPr>
+              <a:t>PostgreSQL</a:t>
+            </a:r>
+            <a:endParaRPr lang="ru-RU" dirty="0" smtClean="0">
+              <a:solidFill>
+                <a:srgbClr val="34388D"/>
+              </a:solidFill>
+              <a:latin typeface="Calibri" panose="020F0502020204030204" pitchFamily="34" charset="0"/>
+              <a:cs typeface="Calibri" panose="020F0502020204030204" pitchFamily="34" charset="0"/>
+            </a:endParaRPr>
+          </a:p>
+          <a:p>
+            <a:pPr>
+              <a:lnSpc>
+                <a:spcPct val="150000"/>
+              </a:lnSpc>
+            </a:pPr>
+            <a:r>
+              <a:rPr lang="en-US" dirty="0" err="1" smtClean="0">
+                <a:solidFill>
+                  <a:srgbClr val="34388D"/>
+                </a:solidFill>
+                <a:latin typeface="Calibri" panose="020F0502020204030204" pitchFamily="34" charset="0"/>
+                <a:cs typeface="Calibri" panose="020F0502020204030204" pitchFamily="34" charset="0"/>
+              </a:rPr>
+              <a:t>Valentina</a:t>
+            </a:r>
+            <a:r>
+              <a:rPr lang="en-US" dirty="0" smtClean="0">
+                <a:solidFill>
+                  <a:srgbClr val="34388D"/>
+                </a:solidFill>
+                <a:latin typeface="Calibri" panose="020F0502020204030204" pitchFamily="34" charset="0"/>
+                <a:cs typeface="Calibri" panose="020F0502020204030204" pitchFamily="34" charset="0"/>
+              </a:rPr>
+              <a:t> Studio </a:t>
+            </a:r>
+            <a:endParaRPr lang="ru-RU" dirty="0" smtClean="0">
+              <a:solidFill>
+                <a:srgbClr val="34388D"/>
+              </a:solidFill>
+              <a:latin typeface="Calibri" panose="020F0502020204030204" pitchFamily="34" charset="0"/>
+              <a:cs typeface="Calibri" panose="020F0502020204030204" pitchFamily="34" charset="0"/>
+            </a:endParaRPr>
+          </a:p>
+          <a:p>
+            <a:pPr>
+              <a:lnSpc>
+                <a:spcPct val="150000"/>
+              </a:lnSpc>
+            </a:pPr>
+            <a:r>
+              <a:rPr lang="en-US" dirty="0" smtClean="0">
+                <a:solidFill>
+                  <a:srgbClr val="34388D"/>
+                </a:solidFill>
+                <a:latin typeface="Calibri" panose="020F0502020204030204" pitchFamily="34" charset="0"/>
+                <a:cs typeface="Calibri" panose="020F0502020204030204" pitchFamily="34" charset="0"/>
+              </a:rPr>
+              <a:t>Microsoft Visual Studio</a:t>
+            </a:r>
+            <a:r>
+              <a:rPr lang="ru-RU" dirty="0" smtClean="0">
+                <a:solidFill>
+                  <a:srgbClr val="34388D"/>
+                </a:solidFill>
+                <a:latin typeface="Calibri" panose="020F0502020204030204" pitchFamily="34" charset="0"/>
+                <a:cs typeface="Calibri" panose="020F0502020204030204" pitchFamily="34" charset="0"/>
+              </a:rPr>
+              <a:t> 2015</a:t>
+            </a:r>
+            <a:r>
+              <a:rPr lang="en-US" dirty="0" smtClean="0">
+                <a:solidFill>
+                  <a:srgbClr val="34388D"/>
+                </a:solidFill>
+                <a:latin typeface="Calibri" panose="020F0502020204030204" pitchFamily="34" charset="0"/>
+                <a:cs typeface="Calibri" panose="020F0502020204030204" pitchFamily="34" charset="0"/>
+              </a:rPr>
+              <a:t> </a:t>
+            </a:r>
+            <a:endParaRPr lang="ru-RU" dirty="0" smtClean="0">
+              <a:solidFill>
+                <a:srgbClr val="34388D"/>
+              </a:solidFill>
+              <a:latin typeface="Calibri" panose="020F0502020204030204" pitchFamily="34" charset="0"/>
+              <a:cs typeface="Calibri" panose="020F0502020204030204" pitchFamily="34" charset="0"/>
+            </a:endParaRPr>
+          </a:p>
+          <a:p>
             <a:endParaRPr lang="ru-RU" dirty="0"/>
           </a:p>
         </p:txBody>
@@ -7695,7 +7804,7 @@
                 <a:latin typeface="Arial" pitchFamily="34" charset="0"/>
                 <a:cs typeface="Arial" pitchFamily="34" charset="0"/>
               </a:rPr>
-              <a:t>Диаграмма классов</a:t>
+              <a:t>Средства разработки</a:t>
             </a:r>
             <a:endParaRPr lang="ru-RU" sz="3200" dirty="0">
               <a:solidFill>
